--- a/report/Report_on_PyTorch_VGG16_training.pptx
+++ b/report/Report_on_PyTorch_VGG16_training.pptx
@@ -18,11 +18,13 @@
     <p:sldId id="265" r:id="rId12"/>
     <p:sldId id="271" r:id="rId13"/>
     <p:sldId id="272" r:id="rId14"/>
-    <p:sldId id="262" r:id="rId15"/>
-    <p:sldId id="266" r:id="rId16"/>
-    <p:sldId id="273" r:id="rId17"/>
-    <p:sldId id="263" r:id="rId18"/>
-    <p:sldId id="264" r:id="rId19"/>
+    <p:sldId id="274" r:id="rId15"/>
+    <p:sldId id="262" r:id="rId16"/>
+    <p:sldId id="266" r:id="rId17"/>
+    <p:sldId id="273" r:id="rId18"/>
+    <p:sldId id="275" r:id="rId19"/>
+    <p:sldId id="263" r:id="rId20"/>
+    <p:sldId id="264" r:id="rId21"/>
   </p:sldIdLst>
   <p:sldSz cx="12192000" cy="6858000"/>
   <p:notesSz cx="6858000" cy="9144000"/>
@@ -5807,6 +5809,170 @@
       <dsp:cNvGrpSpPr/>
     </dsp:nvGrpSpPr>
     <dsp:grpSpPr/>
+    <dsp:sp modelId="{9807E57E-1E7D-4108-BB7B-2B42E874305B}">
+      <dsp:nvSpPr>
+        <dsp:cNvPr id="0" name=""/>
+        <dsp:cNvSpPr/>
+      </dsp:nvSpPr>
+      <dsp:spPr>
+        <a:xfrm>
+          <a:off x="0" y="1228870"/>
+          <a:ext cx="10515600" cy="913678"/>
+        </a:xfrm>
+        <a:prstGeom prst="roundRect">
+          <a:avLst/>
+        </a:prstGeom>
+        <a:solidFill>
+          <a:schemeClr val="lt1">
+            <a:hueOff val="0"/>
+            <a:satOff val="0"/>
+            <a:lumOff val="0"/>
+            <a:alphaOff val="0"/>
+          </a:schemeClr>
+        </a:solidFill>
+        <a:ln w="12700" cap="flat" cmpd="sng" algn="ctr">
+          <a:solidFill>
+            <a:schemeClr val="accent1">
+              <a:shade val="80000"/>
+              <a:hueOff val="0"/>
+              <a:satOff val="0"/>
+              <a:lumOff val="0"/>
+              <a:alphaOff val="0"/>
+            </a:schemeClr>
+          </a:solidFill>
+          <a:prstDash val="solid"/>
+          <a:miter lim="800000"/>
+        </a:ln>
+        <a:effectLst/>
+      </dsp:spPr>
+      <dsp:style>
+        <a:lnRef idx="2">
+          <a:scrgbClr r="0" g="0" b="0"/>
+        </a:lnRef>
+        <a:fillRef idx="1">
+          <a:scrgbClr r="0" g="0" b="0"/>
+        </a:fillRef>
+        <a:effectRef idx="0">
+          <a:scrgbClr r="0" g="0" b="0"/>
+        </a:effectRef>
+        <a:fontRef idx="minor">
+          <a:schemeClr val="lt1"/>
+        </a:fontRef>
+      </dsp:style>
+      <dsp:txBody>
+        <a:bodyPr spcFirstLastPara="0" vert="horz" wrap="square" lIns="87630" tIns="87630" rIns="87630" bIns="87630" numCol="1" spcCol="1270" anchor="ctr" anchorCtr="0">
+          <a:noAutofit/>
+        </a:bodyPr>
+        <a:lstStyle/>
+        <a:p>
+          <a:pPr lvl="0" algn="l" defTabSz="1022350" rtl="0">
+            <a:lnSpc>
+              <a:spcPct val="90000"/>
+            </a:lnSpc>
+            <a:spcBef>
+              <a:spcPct val="0"/>
+            </a:spcBef>
+            <a:spcAft>
+              <a:spcPct val="35000"/>
+            </a:spcAft>
+          </a:pPr>
+          <a:r>
+            <a:rPr lang="en-US" sz="2300" kern="1200" dirty="0" smtClean="0"/>
+            <a:t>Download the ImageNet dataset and unzip the training and validation datasets </a:t>
+          </a:r>
+          <a:endParaRPr lang="en-US" sz="2300" kern="1200" dirty="0"/>
+        </a:p>
+      </dsp:txBody>
+      <dsp:txXfrm>
+        <a:off x="44602" y="1273472"/>
+        <a:ext cx="10426396" cy="824474"/>
+      </dsp:txXfrm>
+    </dsp:sp>
+    <dsp:sp modelId="{9383AB85-9175-4AB9-9D4F-781DA0266214}">
+      <dsp:nvSpPr>
+        <dsp:cNvPr id="0" name=""/>
+        <dsp:cNvSpPr/>
+      </dsp:nvSpPr>
+      <dsp:spPr>
+        <a:xfrm>
+          <a:off x="0" y="2208789"/>
+          <a:ext cx="10515600" cy="913678"/>
+        </a:xfrm>
+        <a:prstGeom prst="roundRect">
+          <a:avLst/>
+        </a:prstGeom>
+        <a:solidFill>
+          <a:schemeClr val="lt1">
+            <a:hueOff val="0"/>
+            <a:satOff val="0"/>
+            <a:lumOff val="0"/>
+            <a:alphaOff val="0"/>
+          </a:schemeClr>
+        </a:solidFill>
+        <a:ln w="12700" cap="flat" cmpd="sng" algn="ctr">
+          <a:solidFill>
+            <a:schemeClr val="accent1">
+              <a:shade val="80000"/>
+              <a:hueOff val="0"/>
+              <a:satOff val="0"/>
+              <a:lumOff val="0"/>
+              <a:alphaOff val="0"/>
+            </a:schemeClr>
+          </a:solidFill>
+          <a:prstDash val="solid"/>
+          <a:miter lim="800000"/>
+        </a:ln>
+        <a:effectLst/>
+      </dsp:spPr>
+      <dsp:style>
+        <a:lnRef idx="2">
+          <a:scrgbClr r="0" g="0" b="0"/>
+        </a:lnRef>
+        <a:fillRef idx="1">
+          <a:scrgbClr r="0" g="0" b="0"/>
+        </a:fillRef>
+        <a:effectRef idx="0">
+          <a:scrgbClr r="0" g="0" b="0"/>
+        </a:effectRef>
+        <a:fontRef idx="minor">
+          <a:schemeClr val="lt1"/>
+        </a:fontRef>
+      </dsp:style>
+      <dsp:txBody>
+        <a:bodyPr spcFirstLastPara="0" vert="horz" wrap="square" lIns="87630" tIns="87630" rIns="87630" bIns="87630" numCol="1" spcCol="1270" anchor="ctr" anchorCtr="0">
+          <a:noAutofit/>
+        </a:bodyPr>
+        <a:lstStyle/>
+        <a:p>
+          <a:pPr lvl="0" algn="l" defTabSz="1022350" rtl="0">
+            <a:lnSpc>
+              <a:spcPct val="90000"/>
+            </a:lnSpc>
+            <a:spcBef>
+              <a:spcPct val="0"/>
+            </a:spcBef>
+            <a:spcAft>
+              <a:spcPct val="35000"/>
+            </a:spcAft>
+          </a:pPr>
+          <a:r>
+            <a:rPr lang="en-US" sz="2300" kern="1200" dirty="0" smtClean="0"/>
+            <a:t>Move validation images to labeled subfolders using this script: </a:t>
+          </a:r>
+          <a:r>
+            <a:rPr lang="en-US" sz="2300" kern="1200" dirty="0" smtClean="0">
+              <a:hlinkClick xmlns:r="http://schemas.openxmlformats.org/officeDocument/2006/relationships" r:id="rId1"/>
+            </a:rPr>
+            <a:t>https://raw.githubusercontent.com/soumith/imagenetloader.torch/master/valprep.sh</a:t>
+          </a:r>
+          <a:endParaRPr lang="en-US" sz="2300" kern="1200" dirty="0"/>
+        </a:p>
+      </dsp:txBody>
+      <dsp:txXfrm>
+        <a:off x="44602" y="2253391"/>
+        <a:ext cx="10426396" cy="824474"/>
+      </dsp:txXfrm>
+    </dsp:sp>
   </dsp:spTree>
 </dsp:drawing>
 </file>
@@ -13866,7 +14032,7 @@
           <a:p>
             <a:fld id="{3F7B40EA-3425-4206-B086-E9ECD718184C}" type="datetimeFigureOut">
               <a:rPr lang="en-US" smtClean="0"/>
-              <a:t>12/13/2018</a:t>
+              <a:t>12/18/2018</a:t>
             </a:fld>
             <a:endParaRPr lang="en-US"/>
           </a:p>
@@ -14036,7 +14202,7 @@
           <a:p>
             <a:fld id="{3F7B40EA-3425-4206-B086-E9ECD718184C}" type="datetimeFigureOut">
               <a:rPr lang="en-US" smtClean="0"/>
-              <a:t>12/13/2018</a:t>
+              <a:t>12/18/2018</a:t>
             </a:fld>
             <a:endParaRPr lang="en-US"/>
           </a:p>
@@ -14216,7 +14382,7 @@
           <a:p>
             <a:fld id="{3F7B40EA-3425-4206-B086-E9ECD718184C}" type="datetimeFigureOut">
               <a:rPr lang="en-US" smtClean="0"/>
-              <a:t>12/13/2018</a:t>
+              <a:t>12/18/2018</a:t>
             </a:fld>
             <a:endParaRPr lang="en-US"/>
           </a:p>
@@ -14386,7 +14552,7 @@
           <a:p>
             <a:fld id="{3F7B40EA-3425-4206-B086-E9ECD718184C}" type="datetimeFigureOut">
               <a:rPr lang="en-US" smtClean="0"/>
-              <a:t>12/13/2018</a:t>
+              <a:t>12/18/2018</a:t>
             </a:fld>
             <a:endParaRPr lang="en-US"/>
           </a:p>
@@ -14632,7 +14798,7 @@
           <a:p>
             <a:fld id="{3F7B40EA-3425-4206-B086-E9ECD718184C}" type="datetimeFigureOut">
               <a:rPr lang="en-US" smtClean="0"/>
-              <a:t>12/13/2018</a:t>
+              <a:t>12/18/2018</a:t>
             </a:fld>
             <a:endParaRPr lang="en-US"/>
           </a:p>
@@ -14864,7 +15030,7 @@
           <a:p>
             <a:fld id="{3F7B40EA-3425-4206-B086-E9ECD718184C}" type="datetimeFigureOut">
               <a:rPr lang="en-US" smtClean="0"/>
-              <a:t>12/13/2018</a:t>
+              <a:t>12/18/2018</a:t>
             </a:fld>
             <a:endParaRPr lang="en-US"/>
           </a:p>
@@ -15231,7 +15397,7 @@
           <a:p>
             <a:fld id="{3F7B40EA-3425-4206-B086-E9ECD718184C}" type="datetimeFigureOut">
               <a:rPr lang="en-US" smtClean="0"/>
-              <a:t>12/13/2018</a:t>
+              <a:t>12/18/2018</a:t>
             </a:fld>
             <a:endParaRPr lang="en-US"/>
           </a:p>
@@ -15349,7 +15515,7 @@
           <a:p>
             <a:fld id="{3F7B40EA-3425-4206-B086-E9ECD718184C}" type="datetimeFigureOut">
               <a:rPr lang="en-US" smtClean="0"/>
-              <a:t>12/13/2018</a:t>
+              <a:t>12/18/2018</a:t>
             </a:fld>
             <a:endParaRPr lang="en-US"/>
           </a:p>
@@ -15444,7 +15610,7 @@
           <a:p>
             <a:fld id="{3F7B40EA-3425-4206-B086-E9ECD718184C}" type="datetimeFigureOut">
               <a:rPr lang="en-US" smtClean="0"/>
-              <a:t>12/13/2018</a:t>
+              <a:t>12/18/2018</a:t>
             </a:fld>
             <a:endParaRPr lang="en-US"/>
           </a:p>
@@ -15721,7 +15887,7 @@
           <a:p>
             <a:fld id="{3F7B40EA-3425-4206-B086-E9ECD718184C}" type="datetimeFigureOut">
               <a:rPr lang="en-US" smtClean="0"/>
-              <a:t>12/13/2018</a:t>
+              <a:t>12/18/2018</a:t>
             </a:fld>
             <a:endParaRPr lang="en-US"/>
           </a:p>
@@ -15974,7 +16140,7 @@
           <a:p>
             <a:fld id="{3F7B40EA-3425-4206-B086-E9ECD718184C}" type="datetimeFigureOut">
               <a:rPr lang="en-US" smtClean="0"/>
-              <a:t>12/13/2018</a:t>
+              <a:t>12/18/2018</a:t>
             </a:fld>
             <a:endParaRPr lang="en-US"/>
           </a:p>
@@ -16187,7 +16353,7 @@
           <a:p>
             <a:fld id="{3F7B40EA-3425-4206-B086-E9ECD718184C}" type="datetimeFigureOut">
               <a:rPr lang="en-US" smtClean="0"/>
-              <a:t>12/13/2018</a:t>
+              <a:t>12/18/2018</a:t>
             </a:fld>
             <a:endParaRPr lang="en-US"/>
           </a:p>
@@ -16941,7 +17107,6 @@
               <a:rPr lang="en-US" dirty="0"/>
               <a:t>3</a:t>
             </a:r>
-            <a:endParaRPr lang="en-US" dirty="0"/>
           </a:p>
         </p:txBody>
       </p:sp>
@@ -17175,6 +17340,124 @@
           <a:p>
             <a:r>
               <a:rPr lang="en-US" dirty="0" smtClean="0"/>
+              <a:t>Training 5</a:t>
+            </a:r>
+            <a:endParaRPr lang="en-US" dirty="0"/>
+          </a:p>
+        </p:txBody>
+      </p:sp>
+      <p:pic>
+        <p:nvPicPr>
+          <p:cNvPr id="6" name="Content Placeholder 5"/>
+          <p:cNvPicPr>
+            <a:picLocks noGrp="1" noChangeAspect="1"/>
+          </p:cNvPicPr>
+          <p:nvPr>
+            <p:ph sz="half" idx="1"/>
+          </p:nvPr>
+        </p:nvPicPr>
+        <p:blipFill>
+          <a:blip r:embed="rId2">
+            <a:extLst>
+              <a:ext uri="{28A0092B-C50C-407E-A947-70E740481C1C}">
+                <a14:useLocalDpi xmlns:a14="http://schemas.microsoft.com/office/drawing/2010/main" val="0"/>
+              </a:ext>
+            </a:extLst>
+          </a:blip>
+          <a:stretch>
+            <a:fillRect/>
+          </a:stretch>
+        </p:blipFill>
+        <p:spPr>
+          <a:xfrm>
+            <a:off x="838200" y="2457886"/>
+            <a:ext cx="5181600" cy="3086816"/>
+          </a:xfrm>
+        </p:spPr>
+      </p:pic>
+      <p:pic>
+        <p:nvPicPr>
+          <p:cNvPr id="7" name="Content Placeholder 6"/>
+          <p:cNvPicPr>
+            <a:picLocks noGrp="1" noChangeAspect="1"/>
+          </p:cNvPicPr>
+          <p:nvPr>
+            <p:ph sz="half" idx="2"/>
+          </p:nvPr>
+        </p:nvPicPr>
+        <p:blipFill>
+          <a:blip r:embed="rId3">
+            <a:extLst>
+              <a:ext uri="{28A0092B-C50C-407E-A947-70E740481C1C}">
+                <a14:useLocalDpi xmlns:a14="http://schemas.microsoft.com/office/drawing/2010/main" val="0"/>
+              </a:ext>
+            </a:extLst>
+          </a:blip>
+          <a:stretch>
+            <a:fillRect/>
+          </a:stretch>
+        </p:blipFill>
+        <p:spPr>
+          <a:xfrm>
+            <a:off x="6172200" y="2451243"/>
+            <a:ext cx="5181600" cy="3100102"/>
+          </a:xfrm>
+        </p:spPr>
+      </p:pic>
+    </p:spTree>
+    <p:extLst>
+      <p:ext uri="{BB962C8B-B14F-4D97-AF65-F5344CB8AC3E}">
+        <p14:creationId xmlns:p14="http://schemas.microsoft.com/office/powerpoint/2010/main" val="49128426"/>
+      </p:ext>
+    </p:extLst>
+  </p:cSld>
+  <p:clrMapOvr>
+    <a:masterClrMapping/>
+  </p:clrMapOvr>
+  <p:timing>
+    <p:tnLst>
+      <p:par>
+        <p:cTn id="1" dur="indefinite" restart="never" nodeType="tmRoot"/>
+      </p:par>
+    </p:tnLst>
+  </p:timing>
+</p:sld>
+</file>
+
+<file path=ppt/slides/slide15.xml><?xml version="1.0" encoding="utf-8"?>
+<p:sld xmlns:a="http://schemas.openxmlformats.org/drawingml/2006/main" xmlns:r="http://schemas.openxmlformats.org/officeDocument/2006/relationships" xmlns:p="http://schemas.openxmlformats.org/presentationml/2006/main">
+  <p:cSld>
+    <p:spTree>
+      <p:nvGrpSpPr>
+        <p:cNvPr id="1" name=""/>
+        <p:cNvGrpSpPr/>
+        <p:nvPr/>
+      </p:nvGrpSpPr>
+      <p:grpSpPr>
+        <a:xfrm>
+          <a:off x="0" y="0"/>
+          <a:ext cx="0" cy="0"/>
+          <a:chOff x="0" y="0"/>
+          <a:chExt cx="0" cy="0"/>
+        </a:xfrm>
+      </p:grpSpPr>
+      <p:sp>
+        <p:nvSpPr>
+          <p:cNvPr id="2" name="Title 1"/>
+          <p:cNvSpPr>
+            <a:spLocks noGrp="1"/>
+          </p:cNvSpPr>
+          <p:nvPr>
+            <p:ph type="title"/>
+          </p:nvPr>
+        </p:nvSpPr>
+        <p:spPr/>
+        <p:txBody>
+          <a:bodyPr/>
+          <a:lstStyle/>
+          <a:p>
+            <a:r>
+              <a:rPr lang="en-US" dirty="0" smtClean="0"/>
               <a:t>Validation 1</a:t>
             </a:r>
             <a:endParaRPr lang="en-US" dirty="0"/>
@@ -17259,7 +17542,7 @@
 </p:sld>
 </file>
 
-<file path=ppt/slides/slide15.xml><?xml version="1.0" encoding="utf-8"?>
+<file path=ppt/slides/slide16.xml><?xml version="1.0" encoding="utf-8"?>
 <p:sld xmlns:a="http://schemas.openxmlformats.org/drawingml/2006/main" xmlns:r="http://schemas.openxmlformats.org/officeDocument/2006/relationships" xmlns:p="http://schemas.openxmlformats.org/presentationml/2006/main">
   <p:cSld>
     <p:spTree>
@@ -17299,7 +17582,6 @@
               <a:rPr lang="en-US" dirty="0"/>
               <a:t>2</a:t>
             </a:r>
-            <a:endParaRPr lang="en-US" dirty="0"/>
           </a:p>
         </p:txBody>
       </p:sp>
@@ -17381,7 +17663,7 @@
 </p:sld>
 </file>
 
-<file path=ppt/slides/slide16.xml><?xml version="1.0" encoding="utf-8"?>
+<file path=ppt/slides/slide17.xml><?xml version="1.0" encoding="utf-8"?>
 <p:sld xmlns:a="http://schemas.openxmlformats.org/drawingml/2006/main" xmlns:r="http://schemas.openxmlformats.org/officeDocument/2006/relationships" xmlns:p="http://schemas.openxmlformats.org/presentationml/2006/main">
   <p:cSld>
     <p:spTree>
@@ -17499,7 +17781,125 @@
 </p:sld>
 </file>
 
-<file path=ppt/slides/slide17.xml><?xml version="1.0" encoding="utf-8"?>
+<file path=ppt/slides/slide18.xml><?xml version="1.0" encoding="utf-8"?>
+<p:sld xmlns:a="http://schemas.openxmlformats.org/drawingml/2006/main" xmlns:r="http://schemas.openxmlformats.org/officeDocument/2006/relationships" xmlns:p="http://schemas.openxmlformats.org/presentationml/2006/main">
+  <p:cSld>
+    <p:spTree>
+      <p:nvGrpSpPr>
+        <p:cNvPr id="1" name=""/>
+        <p:cNvGrpSpPr/>
+        <p:nvPr/>
+      </p:nvGrpSpPr>
+      <p:grpSpPr>
+        <a:xfrm>
+          <a:off x="0" y="0"/>
+          <a:ext cx="0" cy="0"/>
+          <a:chOff x="0" y="0"/>
+          <a:chExt cx="0" cy="0"/>
+        </a:xfrm>
+      </p:grpSpPr>
+      <p:sp>
+        <p:nvSpPr>
+          <p:cNvPr id="2" name="Title 1"/>
+          <p:cNvSpPr>
+            <a:spLocks noGrp="1"/>
+          </p:cNvSpPr>
+          <p:nvPr>
+            <p:ph type="title"/>
+          </p:nvPr>
+        </p:nvSpPr>
+        <p:spPr/>
+        <p:txBody>
+          <a:bodyPr/>
+          <a:lstStyle/>
+          <a:p>
+            <a:r>
+              <a:rPr lang="en-US" dirty="0" smtClean="0"/>
+              <a:t>Validation 4</a:t>
+            </a:r>
+            <a:endParaRPr lang="en-US" dirty="0"/>
+          </a:p>
+        </p:txBody>
+      </p:sp>
+      <p:pic>
+        <p:nvPicPr>
+          <p:cNvPr id="6" name="Content Placeholder 5"/>
+          <p:cNvPicPr>
+            <a:picLocks noGrp="1" noChangeAspect="1"/>
+          </p:cNvPicPr>
+          <p:nvPr>
+            <p:ph sz="half" idx="1"/>
+          </p:nvPr>
+        </p:nvPicPr>
+        <p:blipFill>
+          <a:blip r:embed="rId2">
+            <a:extLst>
+              <a:ext uri="{28A0092B-C50C-407E-A947-70E740481C1C}">
+                <a14:useLocalDpi xmlns:a14="http://schemas.microsoft.com/office/drawing/2010/main" val="0"/>
+              </a:ext>
+            </a:extLst>
+          </a:blip>
+          <a:stretch>
+            <a:fillRect/>
+          </a:stretch>
+        </p:blipFill>
+        <p:spPr>
+          <a:xfrm>
+            <a:off x="838200" y="2463701"/>
+            <a:ext cx="5181600" cy="3075186"/>
+          </a:xfrm>
+        </p:spPr>
+      </p:pic>
+      <p:pic>
+        <p:nvPicPr>
+          <p:cNvPr id="7" name="Content Placeholder 6"/>
+          <p:cNvPicPr>
+            <a:picLocks noGrp="1" noChangeAspect="1"/>
+          </p:cNvPicPr>
+          <p:nvPr>
+            <p:ph sz="half" idx="2"/>
+          </p:nvPr>
+        </p:nvPicPr>
+        <p:blipFill>
+          <a:blip r:embed="rId3">
+            <a:extLst>
+              <a:ext uri="{28A0092B-C50C-407E-A947-70E740481C1C}">
+                <a14:useLocalDpi xmlns:a14="http://schemas.microsoft.com/office/drawing/2010/main" val="0"/>
+              </a:ext>
+            </a:extLst>
+          </a:blip>
+          <a:stretch>
+            <a:fillRect/>
+          </a:stretch>
+        </p:blipFill>
+        <p:spPr>
+          <a:xfrm>
+            <a:off x="6172200" y="2458782"/>
+            <a:ext cx="5181600" cy="3085024"/>
+          </a:xfrm>
+        </p:spPr>
+      </p:pic>
+    </p:spTree>
+    <p:extLst>
+      <p:ext uri="{BB962C8B-B14F-4D97-AF65-F5344CB8AC3E}">
+        <p14:creationId xmlns:p14="http://schemas.microsoft.com/office/powerpoint/2010/main" val="706746501"/>
+      </p:ext>
+    </p:extLst>
+  </p:cSld>
+  <p:clrMapOvr>
+    <a:masterClrMapping/>
+  </p:clrMapOvr>
+  <p:timing>
+    <p:tnLst>
+      <p:par>
+        <p:cTn id="1" dur="indefinite" restart="never" nodeType="tmRoot"/>
+      </p:par>
+    </p:tnLst>
+  </p:timing>
+</p:sld>
+</file>
+
+<file path=ppt/slides/slide19.xml><?xml version="1.0" encoding="utf-8"?>
 <p:sld xmlns:a="http://schemas.openxmlformats.org/drawingml/2006/main" xmlns:r="http://schemas.openxmlformats.org/officeDocument/2006/relationships" xmlns:p="http://schemas.openxmlformats.org/presentationml/2006/main">
   <p:cSld>
     <p:spTree>
@@ -17549,14 +17949,14 @@
             <p:ph idx="1"/>
             <p:extLst>
               <p:ext uri="{D42A27DB-BD31-4B8C-83A1-F6EECF244321}">
-                <p14:modId xmlns:p14="http://schemas.microsoft.com/office/powerpoint/2010/main" val="2594396299"/>
+                <p14:modId xmlns:p14="http://schemas.microsoft.com/office/powerpoint/2010/main" val="1109485380"/>
               </p:ext>
             </p:extLst>
           </p:nvPr>
         </p:nvGraphicFramePr>
         <p:xfrm>
           <a:off x="838200" y="1825625"/>
-          <a:ext cx="10515600" cy="4079240"/>
+          <a:ext cx="10515600" cy="4450080"/>
         </p:xfrm>
         <a:graphic>
           <a:graphicData uri="http://schemas.openxmlformats.org/drawingml/2006/table">
@@ -17605,10 +18005,10 @@
                     <a:lstStyle/>
                     <a:p>
                       <a:r>
-                        <a:rPr lang="en-US" dirty="0" smtClean="0"/>
-                        <a:t>Epoch</a:t>
+                        <a:rPr lang="en-US" b="0" dirty="0" smtClean="0"/>
+                        <a:t>Epochs</a:t>
                       </a:r>
-                      <a:endParaRPr lang="en-US" dirty="0"/>
+                      <a:endParaRPr lang="en-US" b="0" dirty="0"/>
                     </a:p>
                   </a:txBody>
                   <a:tcPr/>
@@ -17619,10 +18019,10 @@
                     <a:lstStyle/>
                     <a:p>
                       <a:r>
-                        <a:rPr lang="en-US" dirty="0" smtClean="0"/>
-                        <a:t>40</a:t>
+                        <a:rPr lang="en-US" b="0" dirty="0" smtClean="0"/>
+                        <a:t>52</a:t>
                       </a:r>
-                      <a:endParaRPr lang="en-US" dirty="0"/>
+                      <a:endParaRPr lang="en-US" b="0" dirty="0"/>
                     </a:p>
                   </a:txBody>
                   <a:tcPr/>
@@ -17635,10 +18035,18 @@
                     <a:lstStyle/>
                     <a:p>
                       <a:r>
-                        <a:rPr lang="en-US" dirty="0" smtClean="0"/>
+                        <a:rPr lang="en-US" dirty="0" smtClean="0">
+                          <a:solidFill>
+                            <a:srgbClr val="00B050"/>
+                          </a:solidFill>
+                        </a:rPr>
                         <a:t>Training accuracy – Top 1</a:t>
                       </a:r>
-                      <a:endParaRPr lang="en-US" dirty="0"/>
+                      <a:endParaRPr lang="en-US" dirty="0">
+                        <a:solidFill>
+                          <a:srgbClr val="00B050"/>
+                        </a:solidFill>
+                      </a:endParaRPr>
                     </a:p>
                   </a:txBody>
                   <a:tcPr/>
@@ -17649,10 +18057,18 @@
                     <a:lstStyle/>
                     <a:p>
                       <a:r>
-                        <a:rPr lang="en-US" dirty="0" smtClean="0"/>
-                        <a:t>0.59</a:t>
+                        <a:rPr lang="en-US" dirty="0" smtClean="0">
+                          <a:solidFill>
+                            <a:srgbClr val="00B050"/>
+                          </a:solidFill>
+                        </a:rPr>
+                        <a:t>0.61</a:t>
                       </a:r>
-                      <a:endParaRPr lang="en-US" dirty="0"/>
+                      <a:endParaRPr lang="en-US" dirty="0">
+                        <a:solidFill>
+                          <a:srgbClr val="00B050"/>
+                        </a:solidFill>
+                      </a:endParaRPr>
                     </a:p>
                   </a:txBody>
                   <a:tcPr/>
@@ -17665,10 +18081,18 @@
                     <a:lstStyle/>
                     <a:p>
                       <a:r>
-                        <a:rPr lang="en-US" dirty="0" smtClean="0"/>
+                        <a:rPr lang="en-US" dirty="0" smtClean="0">
+                          <a:solidFill>
+                            <a:srgbClr val="00B050"/>
+                          </a:solidFill>
+                        </a:rPr>
                         <a:t>Training accuracy – Top 5</a:t>
                       </a:r>
-                      <a:endParaRPr lang="en-US" dirty="0"/>
+                      <a:endParaRPr lang="en-US" dirty="0">
+                        <a:solidFill>
+                          <a:srgbClr val="00B050"/>
+                        </a:solidFill>
+                      </a:endParaRPr>
                     </a:p>
                   </a:txBody>
                   <a:tcPr/>
@@ -17679,10 +18103,18 @@
                     <a:lstStyle/>
                     <a:p>
                       <a:r>
-                        <a:rPr lang="en-US" dirty="0" smtClean="0"/>
-                        <a:t>0.81</a:t>
+                        <a:rPr lang="en-US" dirty="0" smtClean="0">
+                          <a:solidFill>
+                            <a:srgbClr val="00B050"/>
+                          </a:solidFill>
+                        </a:rPr>
+                        <a:t>0.82</a:t>
                       </a:r>
-                      <a:endParaRPr lang="en-US" dirty="0"/>
+                      <a:endParaRPr lang="en-US" dirty="0">
+                        <a:solidFill>
+                          <a:srgbClr val="00B050"/>
+                        </a:solidFill>
+                      </a:endParaRPr>
                     </a:p>
                   </a:txBody>
                   <a:tcPr/>
@@ -17695,10 +18127,18 @@
                     <a:lstStyle/>
                     <a:p>
                       <a:r>
-                        <a:rPr lang="en-US" dirty="0" smtClean="0"/>
+                        <a:rPr lang="en-US" dirty="0" smtClean="0">
+                          <a:solidFill>
+                            <a:srgbClr val="FF0000"/>
+                          </a:solidFill>
+                        </a:rPr>
                         <a:t>Validation accuracy – Top 1</a:t>
                       </a:r>
-                      <a:endParaRPr lang="en-US" dirty="0"/>
+                      <a:endParaRPr lang="en-US" dirty="0">
+                        <a:solidFill>
+                          <a:srgbClr val="FF0000"/>
+                        </a:solidFill>
+                      </a:endParaRPr>
                     </a:p>
                   </a:txBody>
                   <a:tcPr/>
@@ -17709,10 +18149,18 @@
                     <a:lstStyle/>
                     <a:p>
                       <a:r>
-                        <a:rPr lang="en-US" dirty="0" smtClean="0"/>
-                        <a:t>0.67</a:t>
+                        <a:rPr lang="en-US" dirty="0" smtClean="0">
+                          <a:solidFill>
+                            <a:srgbClr val="FF0000"/>
+                          </a:solidFill>
+                        </a:rPr>
+                        <a:t>0.69</a:t>
                       </a:r>
-                      <a:endParaRPr lang="en-US" dirty="0"/>
+                      <a:endParaRPr lang="en-US" dirty="0">
+                        <a:solidFill>
+                          <a:srgbClr val="FF0000"/>
+                        </a:solidFill>
+                      </a:endParaRPr>
                     </a:p>
                   </a:txBody>
                   <a:tcPr/>
@@ -17742,7 +18190,11 @@
                         <a:defRPr/>
                       </a:pPr>
                       <a:r>
-                        <a:rPr lang="en-US" dirty="0" smtClean="0"/>
+                        <a:rPr lang="en-US" dirty="0" smtClean="0">
+                          <a:solidFill>
+                            <a:srgbClr val="FF0000"/>
+                          </a:solidFill>
+                        </a:rPr>
                         <a:t>Validation accuracy – Top 5</a:t>
                       </a:r>
                     </a:p>
@@ -17755,10 +18207,18 @@
                     <a:lstStyle/>
                     <a:p>
                       <a:r>
-                        <a:rPr lang="en-US" dirty="0" smtClean="0"/>
-                        <a:t>0.88</a:t>
+                        <a:rPr lang="en-US" dirty="0" smtClean="0">
+                          <a:solidFill>
+                            <a:srgbClr val="FF0000"/>
+                          </a:solidFill>
+                        </a:rPr>
+                        <a:t>0.89</a:t>
                       </a:r>
-                      <a:endParaRPr lang="en-US" dirty="0"/>
+                      <a:endParaRPr lang="en-US" dirty="0">
+                        <a:solidFill>
+                          <a:srgbClr val="FF0000"/>
+                        </a:solidFill>
+                      </a:endParaRPr>
                     </a:p>
                   </a:txBody>
                   <a:tcPr/>
@@ -17832,7 +18292,7 @@
                     <a:p>
                       <a:r>
                         <a:rPr lang="en-US" dirty="0" smtClean="0"/>
-                        <a:t>Loss</a:t>
+                        <a:t>Training Loss</a:t>
                       </a:r>
                       <a:endParaRPr lang="en-US" dirty="0"/>
                     </a:p>
@@ -17846,7 +18306,37 @@
                     <a:p>
                       <a:r>
                         <a:rPr lang="en-US" dirty="0" smtClean="0"/>
-                        <a:t>1.88</a:t>
+                        <a:t>1.66</a:t>
+                      </a:r>
+                      <a:endParaRPr lang="en-US" dirty="0"/>
+                    </a:p>
+                  </a:txBody>
+                  <a:tcPr/>
+                </a:tc>
+              </a:tr>
+              <a:tr h="370840">
+                <a:tc>
+                  <a:txBody>
+                    <a:bodyPr/>
+                    <a:lstStyle/>
+                    <a:p>
+                      <a:r>
+                        <a:rPr lang="en-US" dirty="0" smtClean="0"/>
+                        <a:t>Validation Loss</a:t>
+                      </a:r>
+                      <a:endParaRPr lang="en-US" dirty="0"/>
+                    </a:p>
+                  </a:txBody>
+                  <a:tcPr/>
+                </a:tc>
+                <a:tc>
+                  <a:txBody>
+                    <a:bodyPr/>
+                    <a:lstStyle/>
+                    <a:p>
+                      <a:r>
+                        <a:rPr lang="en-US" dirty="0" smtClean="0"/>
+                        <a:t>1.26</a:t>
                       </a:r>
                       <a:endParaRPr lang="en-US" dirty="0"/>
                     </a:p>
@@ -17926,85 +18416,6 @@
     <p:extLst>
       <p:ext uri="{BB962C8B-B14F-4D97-AF65-F5344CB8AC3E}">
         <p14:creationId xmlns:p14="http://schemas.microsoft.com/office/powerpoint/2010/main" val="919864278"/>
-      </p:ext>
-    </p:extLst>
-  </p:cSld>
-  <p:clrMapOvr>
-    <a:masterClrMapping/>
-  </p:clrMapOvr>
-  <p:timing>
-    <p:tnLst>
-      <p:par>
-        <p:cTn id="1" dur="indefinite" restart="never" nodeType="tmRoot"/>
-      </p:par>
-    </p:tnLst>
-  </p:timing>
-</p:sld>
-</file>
-
-<file path=ppt/slides/slide18.xml><?xml version="1.0" encoding="utf-8"?>
-<p:sld xmlns:a="http://schemas.openxmlformats.org/drawingml/2006/main" xmlns:r="http://schemas.openxmlformats.org/officeDocument/2006/relationships" xmlns:p="http://schemas.openxmlformats.org/presentationml/2006/main">
-  <p:cSld>
-    <p:spTree>
-      <p:nvGrpSpPr>
-        <p:cNvPr id="1" name=""/>
-        <p:cNvGrpSpPr/>
-        <p:nvPr/>
-      </p:nvGrpSpPr>
-      <p:grpSpPr>
-        <a:xfrm>
-          <a:off x="0" y="0"/>
-          <a:ext cx="0" cy="0"/>
-          <a:chOff x="0" y="0"/>
-          <a:chExt cx="0" cy="0"/>
-        </a:xfrm>
-      </p:grpSpPr>
-      <p:sp>
-        <p:nvSpPr>
-          <p:cNvPr id="2" name="Title 1"/>
-          <p:cNvSpPr>
-            <a:spLocks noGrp="1"/>
-          </p:cNvSpPr>
-          <p:nvPr>
-            <p:ph type="title"/>
-          </p:nvPr>
-        </p:nvSpPr>
-        <p:spPr/>
-        <p:txBody>
-          <a:bodyPr/>
-          <a:lstStyle/>
-          <a:p>
-            <a:r>
-              <a:rPr lang="en-US" dirty="0" smtClean="0"/>
-              <a:t>Discussion</a:t>
-            </a:r>
-            <a:endParaRPr lang="en-US" dirty="0"/>
-          </a:p>
-        </p:txBody>
-      </p:sp>
-      <p:sp>
-        <p:nvSpPr>
-          <p:cNvPr id="3" name="Content Placeholder 2"/>
-          <p:cNvSpPr>
-            <a:spLocks noGrp="1"/>
-          </p:cNvSpPr>
-          <p:nvPr>
-            <p:ph idx="1"/>
-          </p:nvPr>
-        </p:nvSpPr>
-        <p:spPr/>
-        <p:txBody>
-          <a:bodyPr/>
-          <a:lstStyle/>
-          <a:p>
-            <a:endParaRPr lang="en-US"/>
-          </a:p>
-        </p:txBody>
-      </p:sp>
-    </p:spTree>
-    <p:extLst>
-      <p:ext uri="{BB962C8B-B14F-4D97-AF65-F5344CB8AC3E}">
-        <p14:creationId xmlns:p14="http://schemas.microsoft.com/office/powerpoint/2010/main" val="1159741821"/>
       </p:ext>
     </p:extLst>
   </p:cSld>
@@ -18108,6 +18519,99 @@
     <p:extLst>
       <p:ext uri="{BB962C8B-B14F-4D97-AF65-F5344CB8AC3E}">
         <p14:creationId xmlns:p14="http://schemas.microsoft.com/office/powerpoint/2010/main" val="2918586553"/>
+      </p:ext>
+    </p:extLst>
+  </p:cSld>
+  <p:clrMapOvr>
+    <a:masterClrMapping/>
+  </p:clrMapOvr>
+  <p:timing>
+    <p:tnLst>
+      <p:par>
+        <p:cTn id="1" dur="indefinite" restart="never" nodeType="tmRoot"/>
+      </p:par>
+    </p:tnLst>
+  </p:timing>
+</p:sld>
+</file>
+
+<file path=ppt/slides/slide20.xml><?xml version="1.0" encoding="utf-8"?>
+<p:sld xmlns:a="http://schemas.openxmlformats.org/drawingml/2006/main" xmlns:r="http://schemas.openxmlformats.org/officeDocument/2006/relationships" xmlns:p="http://schemas.openxmlformats.org/presentationml/2006/main">
+  <p:cSld>
+    <p:spTree>
+      <p:nvGrpSpPr>
+        <p:cNvPr id="1" name=""/>
+        <p:cNvGrpSpPr/>
+        <p:nvPr/>
+      </p:nvGrpSpPr>
+      <p:grpSpPr>
+        <a:xfrm>
+          <a:off x="0" y="0"/>
+          <a:ext cx="0" cy="0"/>
+          <a:chOff x="0" y="0"/>
+          <a:chExt cx="0" cy="0"/>
+        </a:xfrm>
+      </p:grpSpPr>
+      <p:sp>
+        <p:nvSpPr>
+          <p:cNvPr id="2" name="Title 1"/>
+          <p:cNvSpPr>
+            <a:spLocks noGrp="1"/>
+          </p:cNvSpPr>
+          <p:nvPr>
+            <p:ph type="title"/>
+          </p:nvPr>
+        </p:nvSpPr>
+        <p:spPr/>
+        <p:txBody>
+          <a:bodyPr/>
+          <a:lstStyle/>
+          <a:p>
+            <a:r>
+              <a:rPr lang="en-US" dirty="0" smtClean="0"/>
+              <a:t>Discussion</a:t>
+            </a:r>
+            <a:endParaRPr lang="en-US" dirty="0"/>
+          </a:p>
+        </p:txBody>
+      </p:sp>
+      <p:sp>
+        <p:nvSpPr>
+          <p:cNvPr id="3" name="Content Placeholder 2"/>
+          <p:cNvSpPr>
+            <a:spLocks noGrp="1"/>
+          </p:cNvSpPr>
+          <p:nvPr>
+            <p:ph idx="1"/>
+          </p:nvPr>
+        </p:nvSpPr>
+        <p:spPr/>
+        <p:txBody>
+          <a:bodyPr/>
+          <a:lstStyle/>
+          <a:p>
+            <a:r>
+              <a:rPr lang="en-US" dirty="0"/>
+              <a:t>A</a:t>
+            </a:r>
+            <a:r>
+              <a:rPr lang="en-US" dirty="0" smtClean="0"/>
+              <a:t>ccuracy seems to be improving with more number of epochs</a:t>
+            </a:r>
+          </a:p>
+          <a:p>
+            <a:r>
+              <a:rPr lang="en-US" dirty="0" smtClean="0"/>
+              <a:t>May able to achieve the original model performance</a:t>
+            </a:r>
+            <a:endParaRPr lang="en-US" dirty="0"/>
+          </a:p>
+        </p:txBody>
+      </p:sp>
+    </p:spTree>
+    <p:extLst>
+      <p:ext uri="{BB962C8B-B14F-4D97-AF65-F5344CB8AC3E}">
+        <p14:creationId xmlns:p14="http://schemas.microsoft.com/office/powerpoint/2010/main" val="1159741821"/>
       </p:ext>
     </p:extLst>
   </p:cSld>
@@ -18715,7 +19219,7 @@
             <p:ph idx="1"/>
             <p:extLst>
               <p:ext uri="{D42A27DB-BD31-4B8C-83A1-F6EECF244321}">
-                <p14:modId xmlns:p14="http://schemas.microsoft.com/office/powerpoint/2010/main" val="3368752354"/>
+                <p14:modId xmlns:p14="http://schemas.microsoft.com/office/powerpoint/2010/main" val="3589927717"/>
               </p:ext>
             </p:extLst>
           </p:nvPr>
@@ -19076,7 +19580,7 @@
                     <a:p>
                       <a:r>
                         <a:rPr lang="en-US" dirty="0" smtClean="0"/>
-                        <a:t>84 (Not finished)</a:t>
+                        <a:t>52</a:t>
                       </a:r>
                       <a:endParaRPr lang="en-US" dirty="0"/>
                     </a:p>

--- a/report/Report_on_PyTorch_VGG16_training.pptx
+++ b/report/Report_on_PyTorch_VGG16_training.pptx
@@ -14032,7 +14032,7 @@
           <a:p>
             <a:fld id="{3F7B40EA-3425-4206-B086-E9ECD718184C}" type="datetimeFigureOut">
               <a:rPr lang="en-US" smtClean="0"/>
-              <a:t>12/18/2018</a:t>
+              <a:t>12/24/2018</a:t>
             </a:fld>
             <a:endParaRPr lang="en-US"/>
           </a:p>
@@ -14202,7 +14202,7 @@
           <a:p>
             <a:fld id="{3F7B40EA-3425-4206-B086-E9ECD718184C}" type="datetimeFigureOut">
               <a:rPr lang="en-US" smtClean="0"/>
-              <a:t>12/18/2018</a:t>
+              <a:t>12/24/2018</a:t>
             </a:fld>
             <a:endParaRPr lang="en-US"/>
           </a:p>
@@ -14382,7 +14382,7 @@
           <a:p>
             <a:fld id="{3F7B40EA-3425-4206-B086-E9ECD718184C}" type="datetimeFigureOut">
               <a:rPr lang="en-US" smtClean="0"/>
-              <a:t>12/18/2018</a:t>
+              <a:t>12/24/2018</a:t>
             </a:fld>
             <a:endParaRPr lang="en-US"/>
           </a:p>
@@ -14552,7 +14552,7 @@
           <a:p>
             <a:fld id="{3F7B40EA-3425-4206-B086-E9ECD718184C}" type="datetimeFigureOut">
               <a:rPr lang="en-US" smtClean="0"/>
-              <a:t>12/18/2018</a:t>
+              <a:t>12/24/2018</a:t>
             </a:fld>
             <a:endParaRPr lang="en-US"/>
           </a:p>
@@ -14798,7 +14798,7 @@
           <a:p>
             <a:fld id="{3F7B40EA-3425-4206-B086-E9ECD718184C}" type="datetimeFigureOut">
               <a:rPr lang="en-US" smtClean="0"/>
-              <a:t>12/18/2018</a:t>
+              <a:t>12/24/2018</a:t>
             </a:fld>
             <a:endParaRPr lang="en-US"/>
           </a:p>
@@ -15030,7 +15030,7 @@
           <a:p>
             <a:fld id="{3F7B40EA-3425-4206-B086-E9ECD718184C}" type="datetimeFigureOut">
               <a:rPr lang="en-US" smtClean="0"/>
-              <a:t>12/18/2018</a:t>
+              <a:t>12/24/2018</a:t>
             </a:fld>
             <a:endParaRPr lang="en-US"/>
           </a:p>
@@ -15397,7 +15397,7 @@
           <a:p>
             <a:fld id="{3F7B40EA-3425-4206-B086-E9ECD718184C}" type="datetimeFigureOut">
               <a:rPr lang="en-US" smtClean="0"/>
-              <a:t>12/18/2018</a:t>
+              <a:t>12/24/2018</a:t>
             </a:fld>
             <a:endParaRPr lang="en-US"/>
           </a:p>
@@ -15515,7 +15515,7 @@
           <a:p>
             <a:fld id="{3F7B40EA-3425-4206-B086-E9ECD718184C}" type="datetimeFigureOut">
               <a:rPr lang="en-US" smtClean="0"/>
-              <a:t>12/18/2018</a:t>
+              <a:t>12/24/2018</a:t>
             </a:fld>
             <a:endParaRPr lang="en-US"/>
           </a:p>
@@ -15610,7 +15610,7 @@
           <a:p>
             <a:fld id="{3F7B40EA-3425-4206-B086-E9ECD718184C}" type="datetimeFigureOut">
               <a:rPr lang="en-US" smtClean="0"/>
-              <a:t>12/18/2018</a:t>
+              <a:t>12/24/2018</a:t>
             </a:fld>
             <a:endParaRPr lang="en-US"/>
           </a:p>
@@ -15887,7 +15887,7 @@
           <a:p>
             <a:fld id="{3F7B40EA-3425-4206-B086-E9ECD718184C}" type="datetimeFigureOut">
               <a:rPr lang="en-US" smtClean="0"/>
-              <a:t>12/18/2018</a:t>
+              <a:t>12/24/2018</a:t>
             </a:fld>
             <a:endParaRPr lang="en-US"/>
           </a:p>
@@ -16140,7 +16140,7 @@
           <a:p>
             <a:fld id="{3F7B40EA-3425-4206-B086-E9ECD718184C}" type="datetimeFigureOut">
               <a:rPr lang="en-US" smtClean="0"/>
-              <a:t>12/18/2018</a:t>
+              <a:t>12/24/2018</a:t>
             </a:fld>
             <a:endParaRPr lang="en-US"/>
           </a:p>
@@ -16353,7 +16353,7 @@
           <a:p>
             <a:fld id="{3F7B40EA-3425-4206-B086-E9ECD718184C}" type="datetimeFigureOut">
               <a:rPr lang="en-US" smtClean="0"/>
-              <a:t>12/18/2018</a:t>
+              <a:t>12/24/2018</a:t>
             </a:fld>
             <a:endParaRPr lang="en-US"/>
           </a:p>
@@ -16812,7 +16812,11 @@
           <a:p>
             <a:r>
               <a:rPr lang="en-US" dirty="0" smtClean="0"/>
-              <a:t>2018. December. 19</a:t>
+              <a:t>2019. January. </a:t>
+            </a:r>
+            <a:r>
+              <a:rPr lang="en-US" dirty="0" smtClean="0"/>
+              <a:t>02</a:t>
             </a:r>
             <a:endParaRPr lang="en-US" dirty="0"/>
           </a:p>
@@ -16828,6 +16832,13 @@
   <p:clrMapOvr>
     <a:masterClrMapping/>
   </p:clrMapOvr>
+  <p:timing>
+    <p:tnLst>
+      <p:par>
+        <p:cTn id="1" dur="indefinite" restart="never" nodeType="tmRoot"/>
+      </p:par>
+    </p:tnLst>
+  </p:timing>
 </p:sld>
 </file>
 
@@ -17949,7 +17960,7 @@
             <p:ph idx="1"/>
             <p:extLst>
               <p:ext uri="{D42A27DB-BD31-4B8C-83A1-F6EECF244321}">
-                <p14:modId xmlns:p14="http://schemas.microsoft.com/office/powerpoint/2010/main" val="1109485380"/>
+                <p14:modId xmlns:p14="http://schemas.microsoft.com/office/powerpoint/2010/main" val="2850495250"/>
               </p:ext>
             </p:extLst>
           </p:nvPr>
@@ -17965,8 +17976,9 @@
                 <a:tableStyleId>{93296810-A885-4BE3-A3E7-6D5BEEA58F35}</a:tableStyleId>
               </a:tblPr>
               <a:tblGrid>
-                <a:gridCol w="5257800"/>
-                <a:gridCol w="5257800"/>
+                <a:gridCol w="3505200"/>
+                <a:gridCol w="3505200"/>
+                <a:gridCol w="3505200"/>
               </a:tblGrid>
               <a:tr h="370840">
                 <a:tc>
@@ -17997,6 +18009,24 @@
                   </a:txBody>
                   <a:tcPr/>
                 </a:tc>
+                <a:tc>
+                  <a:txBody>
+                    <a:bodyPr/>
+                    <a:lstStyle/>
+                    <a:p>
+                      <a:r>
+                        <a:rPr lang="en-US" dirty="0" err="1" smtClean="0"/>
+                        <a:t>PyTorch</a:t>
+                      </a:r>
+                      <a:r>
+                        <a:rPr lang="en-US" baseline="0" dirty="0" smtClean="0"/>
+                        <a:t> Model Original</a:t>
+                      </a:r>
+                      <a:endParaRPr lang="en-US" dirty="0"/>
+                    </a:p>
+                  </a:txBody>
+                  <a:tcPr/>
+                </a:tc>
               </a:tr>
               <a:tr h="370840">
                 <a:tc>
@@ -18021,6 +18051,20 @@
                       <a:r>
                         <a:rPr lang="en-US" b="0" dirty="0" smtClean="0"/>
                         <a:t>52</a:t>
+                      </a:r>
+                      <a:endParaRPr lang="en-US" b="0" dirty="0"/>
+                    </a:p>
+                  </a:txBody>
+                  <a:tcPr/>
+                </a:tc>
+                <a:tc>
+                  <a:txBody>
+                    <a:bodyPr/>
+                    <a:lstStyle/>
+                    <a:p>
+                      <a:r>
+                        <a:rPr lang="en-US" b="0" dirty="0" smtClean="0"/>
+                        <a:t>90</a:t>
                       </a:r>
                       <a:endParaRPr lang="en-US" b="0" dirty="0"/>
                     </a:p>
@@ -18064,6 +18108,20 @@
                         </a:rPr>
                         <a:t>0.61</a:t>
                       </a:r>
+                      <a:endParaRPr lang="en-US" dirty="0">
+                        <a:solidFill>
+                          <a:srgbClr val="00B050"/>
+                        </a:solidFill>
+                      </a:endParaRPr>
+                    </a:p>
+                  </a:txBody>
+                  <a:tcPr/>
+                </a:tc>
+                <a:tc>
+                  <a:txBody>
+                    <a:bodyPr/>
+                    <a:lstStyle/>
+                    <a:p>
                       <a:endParaRPr lang="en-US" dirty="0">
                         <a:solidFill>
                           <a:srgbClr val="00B050"/>
@@ -18119,6 +18177,20 @@
                   </a:txBody>
                   <a:tcPr/>
                 </a:tc>
+                <a:tc>
+                  <a:txBody>
+                    <a:bodyPr/>
+                    <a:lstStyle/>
+                    <a:p>
+                      <a:endParaRPr lang="en-US" dirty="0">
+                        <a:solidFill>
+                          <a:srgbClr val="00B050"/>
+                        </a:solidFill>
+                      </a:endParaRPr>
+                    </a:p>
+                  </a:txBody>
+                  <a:tcPr/>
+                </a:tc>
               </a:tr>
               <a:tr h="370840">
                 <a:tc>
@@ -18156,6 +18228,20 @@
                         </a:rPr>
                         <a:t>0.69</a:t>
                       </a:r>
+                      <a:endParaRPr lang="en-US" dirty="0">
+                        <a:solidFill>
+                          <a:srgbClr val="FF0000"/>
+                        </a:solidFill>
+                      </a:endParaRPr>
+                    </a:p>
+                  </a:txBody>
+                  <a:tcPr/>
+                </a:tc>
+                <a:tc>
+                  <a:txBody>
+                    <a:bodyPr/>
+                    <a:lstStyle/>
+                    <a:p>
                       <a:endParaRPr lang="en-US" dirty="0">
                         <a:solidFill>
                           <a:srgbClr val="FF0000"/>
@@ -18223,6 +18309,20 @@
                   </a:txBody>
                   <a:tcPr/>
                 </a:tc>
+                <a:tc>
+                  <a:txBody>
+                    <a:bodyPr/>
+                    <a:lstStyle/>
+                    <a:p>
+                      <a:endParaRPr lang="en-US" dirty="0">
+                        <a:solidFill>
+                          <a:srgbClr val="FF0000"/>
+                        </a:solidFill>
+                      </a:endParaRPr>
+                    </a:p>
+                  </a:txBody>
+                  <a:tcPr/>
+                </a:tc>
               </a:tr>
               <a:tr h="370840">
                 <a:tc>
@@ -18248,6 +18348,16 @@
                         <a:rPr lang="en-US" dirty="0" smtClean="0"/>
                         <a:t>0.25</a:t>
                       </a:r>
+                      <a:endParaRPr lang="en-US" dirty="0"/>
+                    </a:p>
+                  </a:txBody>
+                  <a:tcPr/>
+                </a:tc>
+                <a:tc>
+                  <a:txBody>
+                    <a:bodyPr/>
+                    <a:lstStyle/>
+                    <a:p>
                       <a:endParaRPr lang="en-US" dirty="0"/>
                     </a:p>
                   </a:txBody>
@@ -18283,6 +18393,16 @@
                   </a:txBody>
                   <a:tcPr/>
                 </a:tc>
+                <a:tc>
+                  <a:txBody>
+                    <a:bodyPr/>
+                    <a:lstStyle/>
+                    <a:p>
+                      <a:endParaRPr lang="en-US" dirty="0"/>
+                    </a:p>
+                  </a:txBody>
+                  <a:tcPr/>
+                </a:tc>
               </a:tr>
               <a:tr h="370840">
                 <a:tc>
@@ -18308,6 +18428,16 @@
                         <a:rPr lang="en-US" dirty="0" smtClean="0"/>
                         <a:t>1.66</a:t>
                       </a:r>
+                      <a:endParaRPr lang="en-US" dirty="0"/>
+                    </a:p>
+                  </a:txBody>
+                  <a:tcPr/>
+                </a:tc>
+                <a:tc>
+                  <a:txBody>
+                    <a:bodyPr/>
+                    <a:lstStyle/>
+                    <a:p>
                       <a:endParaRPr lang="en-US" dirty="0"/>
                     </a:p>
                   </a:txBody>
@@ -18343,35 +18473,11 @@
                   </a:txBody>
                   <a:tcPr/>
                 </a:tc>
-              </a:tr>
-              <a:tr h="370840">
                 <a:tc>
                   <a:txBody>
                     <a:bodyPr/>
                     <a:lstStyle/>
                     <a:p>
-                      <a:r>
-                        <a:rPr lang="en-US" dirty="0" smtClean="0"/>
-                        <a:t>Validation</a:t>
-                      </a:r>
-                      <a:r>
-                        <a:rPr lang="en-US" baseline="0" dirty="0" smtClean="0"/>
-                        <a:t> Error – Top 1</a:t>
-                      </a:r>
-                      <a:endParaRPr lang="en-US" dirty="0"/>
-                    </a:p>
-                  </a:txBody>
-                  <a:tcPr/>
-                </a:tc>
-                <a:tc>
-                  <a:txBody>
-                    <a:bodyPr/>
-                    <a:lstStyle/>
-                    <a:p>
-                      <a:r>
-                        <a:rPr lang="en-US" dirty="0" smtClean="0"/>
-                        <a:t>0.33</a:t>
-                      </a:r>
                       <a:endParaRPr lang="en-US" dirty="0"/>
                     </a:p>
                   </a:txBody>
@@ -18385,10 +18491,32 @@
                     <a:lstStyle/>
                     <a:p>
                       <a:r>
-                        <a:rPr lang="en-US" dirty="0" smtClean="0"/>
-                        <a:t>Validation Error – Top 5</a:t>
+                        <a:rPr lang="en-US" dirty="0" smtClean="0">
+                          <a:solidFill>
+                            <a:schemeClr val="accent2">
+                              <a:lumMod val="75000"/>
+                            </a:schemeClr>
+                          </a:solidFill>
+                        </a:rPr>
+                        <a:t>Validation</a:t>
                       </a:r>
-                      <a:endParaRPr lang="en-US" dirty="0"/>
+                      <a:r>
+                        <a:rPr lang="en-US" baseline="0" dirty="0" smtClean="0">
+                          <a:solidFill>
+                            <a:schemeClr val="accent2">
+                              <a:lumMod val="75000"/>
+                            </a:schemeClr>
+                          </a:solidFill>
+                        </a:rPr>
+                        <a:t> Error – Top 1</a:t>
+                      </a:r>
+                      <a:endParaRPr lang="en-US" dirty="0">
+                        <a:solidFill>
+                          <a:schemeClr val="accent2">
+                            <a:lumMod val="75000"/>
+                          </a:schemeClr>
+                        </a:solidFill>
+                      </a:endParaRPr>
                     </a:p>
                   </a:txBody>
                   <a:tcPr/>
@@ -18399,10 +18527,128 @@
                     <a:lstStyle/>
                     <a:p>
                       <a:r>
-                        <a:rPr lang="en-US" dirty="0" smtClean="0"/>
+                        <a:rPr lang="en-US" dirty="0" smtClean="0">
+                          <a:solidFill>
+                            <a:schemeClr val="accent2">
+                              <a:lumMod val="75000"/>
+                            </a:schemeClr>
+                          </a:solidFill>
+                        </a:rPr>
+                        <a:t>0.33</a:t>
+                      </a:r>
+                      <a:endParaRPr lang="en-US" dirty="0">
+                        <a:solidFill>
+                          <a:schemeClr val="accent2">
+                            <a:lumMod val="75000"/>
+                          </a:schemeClr>
+                        </a:solidFill>
+                      </a:endParaRPr>
+                    </a:p>
+                  </a:txBody>
+                  <a:tcPr/>
+                </a:tc>
+                <a:tc>
+                  <a:txBody>
+                    <a:bodyPr/>
+                    <a:lstStyle/>
+                    <a:p>
+                      <a:r>
+                        <a:rPr lang="en-US" dirty="0" smtClean="0">
+                          <a:solidFill>
+                            <a:schemeClr val="accent2">
+                              <a:lumMod val="75000"/>
+                            </a:schemeClr>
+                          </a:solidFill>
+                        </a:rPr>
+                        <a:t>0.2663</a:t>
+                      </a:r>
+                      <a:endParaRPr lang="en-US" dirty="0">
+                        <a:solidFill>
+                          <a:schemeClr val="accent2">
+                            <a:lumMod val="75000"/>
+                          </a:schemeClr>
+                        </a:solidFill>
+                      </a:endParaRPr>
+                    </a:p>
+                  </a:txBody>
+                  <a:tcPr/>
+                </a:tc>
+              </a:tr>
+              <a:tr h="370840">
+                <a:tc>
+                  <a:txBody>
+                    <a:bodyPr/>
+                    <a:lstStyle/>
+                    <a:p>
+                      <a:r>
+                        <a:rPr lang="en-US" dirty="0" smtClean="0">
+                          <a:solidFill>
+                            <a:schemeClr val="accent2">
+                              <a:lumMod val="75000"/>
+                            </a:schemeClr>
+                          </a:solidFill>
+                        </a:rPr>
+                        <a:t>Validation Error – Top 5</a:t>
+                      </a:r>
+                      <a:endParaRPr lang="en-US" dirty="0">
+                        <a:solidFill>
+                          <a:schemeClr val="accent2">
+                            <a:lumMod val="75000"/>
+                          </a:schemeClr>
+                        </a:solidFill>
+                      </a:endParaRPr>
+                    </a:p>
+                  </a:txBody>
+                  <a:tcPr/>
+                </a:tc>
+                <a:tc>
+                  <a:txBody>
+                    <a:bodyPr/>
+                    <a:lstStyle/>
+                    <a:p>
+                      <a:r>
+                        <a:rPr lang="en-US" dirty="0" smtClean="0">
+                          <a:solidFill>
+                            <a:schemeClr val="accent2">
+                              <a:lumMod val="75000"/>
+                            </a:schemeClr>
+                          </a:solidFill>
+                        </a:rPr>
                         <a:t>0.12</a:t>
                       </a:r>
-                      <a:endParaRPr lang="en-US" dirty="0"/>
+                      <a:endParaRPr lang="en-US" dirty="0">
+                        <a:solidFill>
+                          <a:schemeClr val="accent2">
+                            <a:lumMod val="75000"/>
+                          </a:schemeClr>
+                        </a:solidFill>
+                      </a:endParaRPr>
+                    </a:p>
+                  </a:txBody>
+                  <a:tcPr/>
+                </a:tc>
+                <a:tc>
+                  <a:txBody>
+                    <a:bodyPr/>
+                    <a:lstStyle/>
+                    <a:p>
+                      <a:r>
+                        <a:rPr lang="en-US" dirty="0" smtClean="0">
+                          <a:solidFill>
+                            <a:schemeClr val="accent2">
+                              <a:lumMod val="75000"/>
+                            </a:schemeClr>
+                          </a:solidFill>
+                        </a:rPr>
+                        <a:t>0.0850</a:t>
+                      </a:r>
+                      <a:endParaRPr lang="en-US" dirty="0">
+                        <a:solidFill>
+                          <a:schemeClr val="accent2">
+                            <a:lumMod val="75000"/>
+                          </a:schemeClr>
+                        </a:solidFill>
+                      </a:endParaRPr>
                     </a:p>
                   </a:txBody>
                   <a:tcPr/>
@@ -18604,7 +18850,65 @@
               <a:rPr lang="en-US" dirty="0" smtClean="0"/>
               <a:t>May able to achieve the original model performance</a:t>
             </a:r>
+          </a:p>
+          <a:p>
             <a:endParaRPr lang="en-US" dirty="0"/>
+          </a:p>
+          <a:p>
+            <a:r>
+              <a:rPr lang="en-US" dirty="0" smtClean="0">
+                <a:solidFill>
+                  <a:srgbClr val="FF0000"/>
+                </a:solidFill>
+              </a:rPr>
+              <a:t>Plot a curve for loss/accuracies</a:t>
+            </a:r>
+          </a:p>
+          <a:p>
+            <a:r>
+              <a:rPr lang="en-US" dirty="0" smtClean="0">
+                <a:solidFill>
+                  <a:srgbClr val="FF0000"/>
+                </a:solidFill>
+              </a:rPr>
+              <a:t>Check what was wrong with </a:t>
+            </a:r>
+            <a:r>
+              <a:rPr lang="en-US" dirty="0" err="1" smtClean="0">
+                <a:solidFill>
+                  <a:srgbClr val="FF0000"/>
+                </a:solidFill>
+              </a:rPr>
+              <a:t>tensorflow</a:t>
+            </a:r>
+            <a:endParaRPr lang="en-US" dirty="0" smtClean="0">
+              <a:solidFill>
+                <a:srgbClr val="FF0000"/>
+              </a:solidFill>
+            </a:endParaRPr>
+          </a:p>
+          <a:p>
+            <a:r>
+              <a:rPr lang="en-US" dirty="0" smtClean="0">
+                <a:solidFill>
+                  <a:srgbClr val="FF0000"/>
+                </a:solidFill>
+              </a:rPr>
+              <a:t>Need to train with multiple </a:t>
+            </a:r>
+            <a:r>
+              <a:rPr lang="en-US" dirty="0" err="1" smtClean="0">
+                <a:solidFill>
+                  <a:srgbClr val="FF0000"/>
+                </a:solidFill>
+              </a:rPr>
+              <a:t>gpus</a:t>
+            </a:r>
+            <a:endParaRPr lang="en-US" dirty="0">
+              <a:solidFill>
+                <a:srgbClr val="FF0000"/>
+              </a:solidFill>
+            </a:endParaRPr>
           </a:p>
         </p:txBody>
       </p:sp>
@@ -18996,6 +19300,13 @@
   <p:clrMapOvr>
     <a:masterClrMapping/>
   </p:clrMapOvr>
+  <p:timing>
+    <p:tnLst>
+      <p:par>
+        <p:cTn id="1" dur="indefinite" restart="never" nodeType="tmRoot"/>
+      </p:par>
+    </p:tnLst>
+  </p:timing>
 </p:sld>
 </file>
 
@@ -19088,6 +19399,13 @@
   <p:clrMapOvr>
     <a:masterClrMapping/>
   </p:clrMapOvr>
+  <p:timing>
+    <p:tnLst>
+      <p:par>
+        <p:cTn id="1" dur="indefinite" restart="never" nodeType="tmRoot"/>
+      </p:par>
+    </p:tnLst>
+  </p:timing>
 </p:sld>
 </file>
 
@@ -19166,6 +19484,13 @@
   <p:clrMapOvr>
     <a:masterClrMapping/>
   </p:clrMapOvr>
+  <p:timing>
+    <p:tnLst>
+      <p:par>
+        <p:cTn id="1" dur="indefinite" restart="never" nodeType="tmRoot"/>
+      </p:par>
+    </p:tnLst>
+  </p:timing>
 </p:sld>
 </file>
 

--- a/report/Report_on_PyTorch_VGG16_training.pptx
+++ b/report/Report_on_PyTorch_VGG16_training.pptx
@@ -18,13 +18,14 @@
     <p:sldId id="265" r:id="rId12"/>
     <p:sldId id="271" r:id="rId13"/>
     <p:sldId id="272" r:id="rId14"/>
-    <p:sldId id="274" r:id="rId15"/>
-    <p:sldId id="262" r:id="rId16"/>
-    <p:sldId id="266" r:id="rId17"/>
-    <p:sldId id="273" r:id="rId18"/>
-    <p:sldId id="275" r:id="rId19"/>
-    <p:sldId id="263" r:id="rId20"/>
-    <p:sldId id="264" r:id="rId21"/>
+    <p:sldId id="273" r:id="rId15"/>
+    <p:sldId id="277" r:id="rId16"/>
+    <p:sldId id="274" r:id="rId17"/>
+    <p:sldId id="275" r:id="rId18"/>
+    <p:sldId id="276" r:id="rId19"/>
+    <p:sldId id="278" r:id="rId20"/>
+    <p:sldId id="263" r:id="rId21"/>
+    <p:sldId id="264" r:id="rId22"/>
   </p:sldIdLst>
   <p:sldSz cx="12192000" cy="6858000"/>
   <p:notesSz cx="6858000" cy="9144000"/>
@@ -5248,555 +5249,6 @@
       <dsp:cNvGrpSpPr/>
     </dsp:nvGrpSpPr>
     <dsp:grpSpPr/>
-    <dsp:sp modelId="{994746DA-C28F-43AE-8DAD-45762C62953A}">
-      <dsp:nvSpPr>
-        <dsp:cNvPr id="0" name=""/>
-        <dsp:cNvSpPr/>
-      </dsp:nvSpPr>
-      <dsp:spPr>
-        <a:xfrm rot="5400000">
-          <a:off x="2351651" y="1271326"/>
-          <a:ext cx="1124378" cy="1280065"/>
-        </a:xfrm>
-        <a:prstGeom prst="bentUpArrow">
-          <a:avLst>
-            <a:gd name="adj1" fmla="val 32840"/>
-            <a:gd name="adj2" fmla="val 25000"/>
-            <a:gd name="adj3" fmla="val 35780"/>
-          </a:avLst>
-        </a:prstGeom>
-        <a:solidFill>
-          <a:schemeClr val="accent3">
-            <a:tint val="50000"/>
-            <a:hueOff val="0"/>
-            <a:satOff val="0"/>
-            <a:lumOff val="0"/>
-            <a:alphaOff val="0"/>
-          </a:schemeClr>
-        </a:solidFill>
-        <a:ln w="12700" cap="flat" cmpd="sng" algn="ctr">
-          <a:solidFill>
-            <a:schemeClr val="lt1">
-              <a:hueOff val="0"/>
-              <a:satOff val="0"/>
-              <a:lumOff val="0"/>
-              <a:alphaOff val="0"/>
-            </a:schemeClr>
-          </a:solidFill>
-          <a:prstDash val="solid"/>
-          <a:miter lim="800000"/>
-        </a:ln>
-        <a:effectLst/>
-      </dsp:spPr>
-      <dsp:style>
-        <a:lnRef idx="2">
-          <a:scrgbClr r="0" g="0" b="0"/>
-        </a:lnRef>
-        <a:fillRef idx="1">
-          <a:scrgbClr r="0" g="0" b="0"/>
-        </a:fillRef>
-        <a:effectRef idx="0">
-          <a:scrgbClr r="0" g="0" b="0"/>
-        </a:effectRef>
-        <a:fontRef idx="minor"/>
-      </dsp:style>
-    </dsp:sp>
-    <dsp:sp modelId="{B868FB86-C5B4-4069-B81B-5D7727B1D957}">
-      <dsp:nvSpPr>
-        <dsp:cNvPr id="0" name=""/>
-        <dsp:cNvSpPr/>
-      </dsp:nvSpPr>
-      <dsp:spPr>
-        <a:xfrm>
-          <a:off x="2053759" y="24930"/>
-          <a:ext cx="1892792" cy="1324893"/>
-        </a:xfrm>
-        <a:prstGeom prst="roundRect">
-          <a:avLst>
-            <a:gd name="adj" fmla="val 16670"/>
-          </a:avLst>
-        </a:prstGeom>
-        <a:solidFill>
-          <a:schemeClr val="accent3">
-            <a:hueOff val="0"/>
-            <a:satOff val="0"/>
-            <a:lumOff val="0"/>
-            <a:alphaOff val="0"/>
-          </a:schemeClr>
-        </a:solidFill>
-        <a:ln w="12700" cap="flat" cmpd="sng" algn="ctr">
-          <a:solidFill>
-            <a:schemeClr val="lt1">
-              <a:hueOff val="0"/>
-              <a:satOff val="0"/>
-              <a:lumOff val="0"/>
-              <a:alphaOff val="0"/>
-            </a:schemeClr>
-          </a:solidFill>
-          <a:prstDash val="solid"/>
-          <a:miter lim="800000"/>
-        </a:ln>
-        <a:effectLst/>
-      </dsp:spPr>
-      <dsp:style>
-        <a:lnRef idx="2">
-          <a:scrgbClr r="0" g="0" b="0"/>
-        </a:lnRef>
-        <a:fillRef idx="1">
-          <a:scrgbClr r="0" g="0" b="0"/>
-        </a:fillRef>
-        <a:effectRef idx="0">
-          <a:scrgbClr r="0" g="0" b="0"/>
-        </a:effectRef>
-        <a:fontRef idx="minor">
-          <a:schemeClr val="lt1"/>
-        </a:fontRef>
-      </dsp:style>
-      <dsp:txBody>
-        <a:bodyPr spcFirstLastPara="0" vert="horz" wrap="square" lIns="91440" tIns="91440" rIns="91440" bIns="91440" numCol="1" spcCol="1270" anchor="ctr" anchorCtr="0">
-          <a:noAutofit/>
-        </a:bodyPr>
-        <a:lstStyle/>
-        <a:p>
-          <a:pPr lvl="0" algn="ctr" defTabSz="1066800">
-            <a:lnSpc>
-              <a:spcPct val="90000"/>
-            </a:lnSpc>
-            <a:spcBef>
-              <a:spcPct val="0"/>
-            </a:spcBef>
-            <a:spcAft>
-              <a:spcPct val="35000"/>
-            </a:spcAft>
-          </a:pPr>
-          <a:r>
-            <a:rPr lang="en-US" sz="2400" kern="1200" dirty="0" smtClean="0"/>
-            <a:t>Prepare ImageNet Dataset</a:t>
-          </a:r>
-          <a:endParaRPr lang="en-US" sz="2400" kern="1200" dirty="0"/>
-        </a:p>
-      </dsp:txBody>
-      <dsp:txXfrm>
-        <a:off x="2118447" y="89618"/>
-        <a:ext cx="1763416" cy="1195517"/>
-      </dsp:txXfrm>
-    </dsp:sp>
-    <dsp:sp modelId="{759ED750-CDFA-4128-AC15-65CFBA25DCC2}">
-      <dsp:nvSpPr>
-        <dsp:cNvPr id="0" name=""/>
-        <dsp:cNvSpPr/>
-      </dsp:nvSpPr>
-      <dsp:spPr>
-        <a:xfrm>
-          <a:off x="3946551" y="151288"/>
-          <a:ext cx="1376636" cy="1070837"/>
-        </a:xfrm>
-        <a:prstGeom prst="rect">
-          <a:avLst/>
-        </a:prstGeom>
-        <a:noFill/>
-        <a:ln>
-          <a:noFill/>
-        </a:ln>
-        <a:effectLst/>
-      </dsp:spPr>
-      <dsp:style>
-        <a:lnRef idx="0">
-          <a:scrgbClr r="0" g="0" b="0"/>
-        </a:lnRef>
-        <a:fillRef idx="0">
-          <a:scrgbClr r="0" g="0" b="0"/>
-        </a:fillRef>
-        <a:effectRef idx="0">
-          <a:scrgbClr r="0" g="0" b="0"/>
-        </a:effectRef>
-        <a:fontRef idx="minor"/>
-      </dsp:style>
-      <dsp:txBody>
-        <a:bodyPr spcFirstLastPara="0" vert="horz" wrap="square" lIns="64770" tIns="64770" rIns="64770" bIns="64770" numCol="1" spcCol="1270" anchor="ctr" anchorCtr="0">
-          <a:noAutofit/>
-        </a:bodyPr>
-        <a:lstStyle/>
-        <a:p>
-          <a:pPr marL="114300" lvl="1" indent="-114300" algn="l" defTabSz="577850">
-            <a:lnSpc>
-              <a:spcPct val="90000"/>
-            </a:lnSpc>
-            <a:spcBef>
-              <a:spcPct val="0"/>
-            </a:spcBef>
-            <a:spcAft>
-              <a:spcPct val="15000"/>
-            </a:spcAft>
-            <a:buChar char="••"/>
-          </a:pPr>
-          <a:r>
-            <a:rPr lang="en-US" sz="1300" kern="1200" dirty="0" smtClean="0"/>
-            <a:t>Prepare Dataset for </a:t>
-          </a:r>
-          <a:r>
-            <a:rPr lang="en-US" sz="1300" kern="1200" dirty="0" err="1" smtClean="0"/>
-            <a:t>PyTorch</a:t>
-          </a:r>
-          <a:r>
-            <a:rPr lang="en-US" sz="1300" kern="1200" dirty="0" smtClean="0"/>
-            <a:t> </a:t>
-          </a:r>
-          <a:r>
-            <a:rPr lang="en-US" sz="1300" kern="1200" dirty="0" err="1" smtClean="0"/>
-            <a:t>dataloader</a:t>
-          </a:r>
-          <a:endParaRPr lang="en-US" sz="1300" kern="1200" dirty="0"/>
-        </a:p>
-      </dsp:txBody>
-      <dsp:txXfrm>
-        <a:off x="3946551" y="151288"/>
-        <a:ext cx="1376636" cy="1070837"/>
-      </dsp:txXfrm>
-    </dsp:sp>
-    <dsp:sp modelId="{4794CF5A-A8A3-4C44-8E39-9BCE856CAADF}">
-      <dsp:nvSpPr>
-        <dsp:cNvPr id="0" name=""/>
-        <dsp:cNvSpPr/>
-      </dsp:nvSpPr>
-      <dsp:spPr>
-        <a:xfrm rot="5400000">
-          <a:off x="3920977" y="2759619"/>
-          <a:ext cx="1124378" cy="1280065"/>
-        </a:xfrm>
-        <a:prstGeom prst="bentUpArrow">
-          <a:avLst>
-            <a:gd name="adj1" fmla="val 32840"/>
-            <a:gd name="adj2" fmla="val 25000"/>
-            <a:gd name="adj3" fmla="val 35780"/>
-          </a:avLst>
-        </a:prstGeom>
-        <a:solidFill>
-          <a:schemeClr val="accent3">
-            <a:tint val="50000"/>
-            <a:hueOff val="1955669"/>
-            <a:satOff val="100000"/>
-            <a:lumOff val="10532"/>
-            <a:alphaOff val="0"/>
-          </a:schemeClr>
-        </a:solidFill>
-        <a:ln w="12700" cap="flat" cmpd="sng" algn="ctr">
-          <a:solidFill>
-            <a:schemeClr val="lt1">
-              <a:hueOff val="0"/>
-              <a:satOff val="0"/>
-              <a:lumOff val="0"/>
-              <a:alphaOff val="0"/>
-            </a:schemeClr>
-          </a:solidFill>
-          <a:prstDash val="solid"/>
-          <a:miter lim="800000"/>
-        </a:ln>
-        <a:effectLst/>
-      </dsp:spPr>
-      <dsp:style>
-        <a:lnRef idx="2">
-          <a:scrgbClr r="0" g="0" b="0"/>
-        </a:lnRef>
-        <a:fillRef idx="1">
-          <a:scrgbClr r="0" g="0" b="0"/>
-        </a:fillRef>
-        <a:effectRef idx="0">
-          <a:scrgbClr r="0" g="0" b="0"/>
-        </a:effectRef>
-        <a:fontRef idx="minor"/>
-      </dsp:style>
-    </dsp:sp>
-    <dsp:sp modelId="{59B87453-44FD-43F6-BEEE-CC3C3A3C5E55}">
-      <dsp:nvSpPr>
-        <dsp:cNvPr id="0" name=""/>
-        <dsp:cNvSpPr/>
-      </dsp:nvSpPr>
-      <dsp:spPr>
-        <a:xfrm>
-          <a:off x="3623085" y="1513222"/>
-          <a:ext cx="1892792" cy="1324893"/>
-        </a:xfrm>
-        <a:prstGeom prst="roundRect">
-          <a:avLst>
-            <a:gd name="adj" fmla="val 16670"/>
-          </a:avLst>
-        </a:prstGeom>
-        <a:solidFill>
-          <a:schemeClr val="accent3">
-            <a:hueOff val="1355300"/>
-            <a:satOff val="50000"/>
-            <a:lumOff val="-7353"/>
-            <a:alphaOff val="0"/>
-          </a:schemeClr>
-        </a:solidFill>
-        <a:ln w="12700" cap="flat" cmpd="sng" algn="ctr">
-          <a:solidFill>
-            <a:schemeClr val="lt1">
-              <a:hueOff val="0"/>
-              <a:satOff val="0"/>
-              <a:lumOff val="0"/>
-              <a:alphaOff val="0"/>
-            </a:schemeClr>
-          </a:solidFill>
-          <a:prstDash val="solid"/>
-          <a:miter lim="800000"/>
-        </a:ln>
-        <a:effectLst/>
-      </dsp:spPr>
-      <dsp:style>
-        <a:lnRef idx="2">
-          <a:scrgbClr r="0" g="0" b="0"/>
-        </a:lnRef>
-        <a:fillRef idx="1">
-          <a:scrgbClr r="0" g="0" b="0"/>
-        </a:fillRef>
-        <a:effectRef idx="0">
-          <a:scrgbClr r="0" g="0" b="0"/>
-        </a:effectRef>
-        <a:fontRef idx="minor">
-          <a:schemeClr val="lt1"/>
-        </a:fontRef>
-      </dsp:style>
-      <dsp:txBody>
-        <a:bodyPr spcFirstLastPara="0" vert="horz" wrap="square" lIns="91440" tIns="91440" rIns="91440" bIns="91440" numCol="1" spcCol="1270" anchor="ctr" anchorCtr="0">
-          <a:noAutofit/>
-        </a:bodyPr>
-        <a:lstStyle/>
-        <a:p>
-          <a:pPr lvl="0" algn="ctr" defTabSz="1066800">
-            <a:lnSpc>
-              <a:spcPct val="90000"/>
-            </a:lnSpc>
-            <a:spcBef>
-              <a:spcPct val="0"/>
-            </a:spcBef>
-            <a:spcAft>
-              <a:spcPct val="35000"/>
-            </a:spcAft>
-          </a:pPr>
-          <a:r>
-            <a:rPr lang="en-US" sz="2400" kern="1200" dirty="0" smtClean="0"/>
-            <a:t>Prepare training script</a:t>
-          </a:r>
-          <a:endParaRPr lang="en-US" sz="2400" kern="1200" dirty="0"/>
-        </a:p>
-      </dsp:txBody>
-      <dsp:txXfrm>
-        <a:off x="3687773" y="1577910"/>
-        <a:ext cx="1763416" cy="1195517"/>
-      </dsp:txXfrm>
-    </dsp:sp>
-    <dsp:sp modelId="{E759A925-ADEF-4D51-941B-3FE871A41441}">
-      <dsp:nvSpPr>
-        <dsp:cNvPr id="0" name=""/>
-        <dsp:cNvSpPr/>
-      </dsp:nvSpPr>
-      <dsp:spPr>
-        <a:xfrm>
-          <a:off x="5515877" y="1639581"/>
-          <a:ext cx="1376636" cy="1070837"/>
-        </a:xfrm>
-        <a:prstGeom prst="rect">
-          <a:avLst/>
-        </a:prstGeom>
-        <a:noFill/>
-        <a:ln>
-          <a:noFill/>
-        </a:ln>
-        <a:effectLst/>
-      </dsp:spPr>
-      <dsp:style>
-        <a:lnRef idx="0">
-          <a:scrgbClr r="0" g="0" b="0"/>
-        </a:lnRef>
-        <a:fillRef idx="0">
-          <a:scrgbClr r="0" g="0" b="0"/>
-        </a:fillRef>
-        <a:effectRef idx="0">
-          <a:scrgbClr r="0" g="0" b="0"/>
-        </a:effectRef>
-        <a:fontRef idx="minor"/>
-      </dsp:style>
-      <dsp:txBody>
-        <a:bodyPr spcFirstLastPara="0" vert="horz" wrap="square" lIns="64770" tIns="64770" rIns="64770" bIns="64770" numCol="1" spcCol="1270" anchor="ctr" anchorCtr="0">
-          <a:noAutofit/>
-        </a:bodyPr>
-        <a:lstStyle/>
-        <a:p>
-          <a:pPr marL="114300" lvl="1" indent="-114300" algn="l" defTabSz="577850">
-            <a:lnSpc>
-              <a:spcPct val="90000"/>
-            </a:lnSpc>
-            <a:spcBef>
-              <a:spcPct val="0"/>
-            </a:spcBef>
-            <a:spcAft>
-              <a:spcPct val="15000"/>
-            </a:spcAft>
-            <a:buChar char="••"/>
-          </a:pPr>
-          <a:r>
-            <a:rPr lang="en-US" sz="1300" kern="1200" dirty="0" smtClean="0"/>
-            <a:t>Prepare </a:t>
-          </a:r>
-          <a:r>
-            <a:rPr lang="en-US" sz="1300" kern="1200" dirty="0" err="1" smtClean="0"/>
-            <a:t>PyTorch</a:t>
-          </a:r>
-          <a:r>
-            <a:rPr lang="en-US" sz="1300" kern="1200" dirty="0" smtClean="0"/>
-            <a:t> example Script with dataset folders</a:t>
-          </a:r>
-          <a:endParaRPr lang="en-US" sz="1300" kern="1200" dirty="0"/>
-        </a:p>
-      </dsp:txBody>
-      <dsp:txXfrm>
-        <a:off x="5515877" y="1639581"/>
-        <a:ext cx="1376636" cy="1070837"/>
-      </dsp:txXfrm>
-    </dsp:sp>
-    <dsp:sp modelId="{2676F6AC-49F4-4402-961F-29A002CE39B3}">
-      <dsp:nvSpPr>
-        <dsp:cNvPr id="0" name=""/>
-        <dsp:cNvSpPr/>
-      </dsp:nvSpPr>
-      <dsp:spPr>
-        <a:xfrm>
-          <a:off x="5192411" y="3001514"/>
-          <a:ext cx="1892792" cy="1324893"/>
-        </a:xfrm>
-        <a:prstGeom prst="roundRect">
-          <a:avLst>
-            <a:gd name="adj" fmla="val 16670"/>
-          </a:avLst>
-        </a:prstGeom>
-        <a:solidFill>
-          <a:schemeClr val="accent3">
-            <a:hueOff val="2710599"/>
-            <a:satOff val="100000"/>
-            <a:lumOff val="-14706"/>
-            <a:alphaOff val="0"/>
-          </a:schemeClr>
-        </a:solidFill>
-        <a:ln w="12700" cap="flat" cmpd="sng" algn="ctr">
-          <a:solidFill>
-            <a:schemeClr val="lt1">
-              <a:hueOff val="0"/>
-              <a:satOff val="0"/>
-              <a:lumOff val="0"/>
-              <a:alphaOff val="0"/>
-            </a:schemeClr>
-          </a:solidFill>
-          <a:prstDash val="solid"/>
-          <a:miter lim="800000"/>
-        </a:ln>
-        <a:effectLst/>
-      </dsp:spPr>
-      <dsp:style>
-        <a:lnRef idx="2">
-          <a:scrgbClr r="0" g="0" b="0"/>
-        </a:lnRef>
-        <a:fillRef idx="1">
-          <a:scrgbClr r="0" g="0" b="0"/>
-        </a:fillRef>
-        <a:effectRef idx="0">
-          <a:scrgbClr r="0" g="0" b="0"/>
-        </a:effectRef>
-        <a:fontRef idx="minor">
-          <a:schemeClr val="lt1"/>
-        </a:fontRef>
-      </dsp:style>
-      <dsp:txBody>
-        <a:bodyPr spcFirstLastPara="0" vert="horz" wrap="square" lIns="91440" tIns="91440" rIns="91440" bIns="91440" numCol="1" spcCol="1270" anchor="ctr" anchorCtr="0">
-          <a:noAutofit/>
-        </a:bodyPr>
-        <a:lstStyle/>
-        <a:p>
-          <a:pPr lvl="0" algn="ctr" defTabSz="1066800">
-            <a:lnSpc>
-              <a:spcPct val="90000"/>
-            </a:lnSpc>
-            <a:spcBef>
-              <a:spcPct val="0"/>
-            </a:spcBef>
-            <a:spcAft>
-              <a:spcPct val="35000"/>
-            </a:spcAft>
-          </a:pPr>
-          <a:r>
-            <a:rPr lang="en-US" sz="2400" kern="1200" dirty="0" smtClean="0"/>
-            <a:t>Start training</a:t>
-          </a:r>
-          <a:endParaRPr lang="en-US" sz="2400" kern="1200" dirty="0"/>
-        </a:p>
-      </dsp:txBody>
-      <dsp:txXfrm>
-        <a:off x="5257099" y="3066202"/>
-        <a:ext cx="1763416" cy="1195517"/>
-      </dsp:txXfrm>
-    </dsp:sp>
-    <dsp:sp modelId="{2AF2153C-E1D2-4DBB-B251-4016F580BC06}">
-      <dsp:nvSpPr>
-        <dsp:cNvPr id="0" name=""/>
-        <dsp:cNvSpPr/>
-      </dsp:nvSpPr>
-      <dsp:spPr>
-        <a:xfrm>
-          <a:off x="7085203" y="3127873"/>
-          <a:ext cx="1376636" cy="1070837"/>
-        </a:xfrm>
-        <a:prstGeom prst="rect">
-          <a:avLst/>
-        </a:prstGeom>
-        <a:noFill/>
-        <a:ln>
-          <a:noFill/>
-        </a:ln>
-        <a:effectLst/>
-      </dsp:spPr>
-      <dsp:style>
-        <a:lnRef idx="0">
-          <a:scrgbClr r="0" g="0" b="0"/>
-        </a:lnRef>
-        <a:fillRef idx="0">
-          <a:scrgbClr r="0" g="0" b="0"/>
-        </a:fillRef>
-        <a:effectRef idx="0">
-          <a:scrgbClr r="0" g="0" b="0"/>
-        </a:effectRef>
-        <a:fontRef idx="minor"/>
-      </dsp:style>
-      <dsp:txBody>
-        <a:bodyPr spcFirstLastPara="0" vert="horz" wrap="square" lIns="72390" tIns="72390" rIns="72390" bIns="72390" numCol="1" spcCol="1270" anchor="ctr" anchorCtr="0">
-          <a:noAutofit/>
-        </a:bodyPr>
-        <a:lstStyle/>
-        <a:p>
-          <a:pPr marL="114300" lvl="1" indent="-114300" algn="l" defTabSz="666750">
-            <a:lnSpc>
-              <a:spcPct val="90000"/>
-            </a:lnSpc>
-            <a:spcBef>
-              <a:spcPct val="0"/>
-            </a:spcBef>
-            <a:spcAft>
-              <a:spcPct val="15000"/>
-            </a:spcAft>
-            <a:buChar char="••"/>
-          </a:pPr>
-          <a:r>
-            <a:rPr lang="en-US" sz="1500" kern="1200" dirty="0" smtClean="0"/>
-            <a:t>Run the Training Script with Suitable Arguments</a:t>
-          </a:r>
-          <a:endParaRPr lang="en-US" sz="1500" kern="1200" dirty="0"/>
-        </a:p>
-      </dsp:txBody>
-      <dsp:txXfrm>
-        <a:off x="7085203" y="3127873"/>
-        <a:ext cx="1376636" cy="1070837"/>
-      </dsp:txXfrm>
-    </dsp:sp>
   </dsp:spTree>
 </dsp:drawing>
 </file>
@@ -5809,170 +5261,6 @@
       <dsp:cNvGrpSpPr/>
     </dsp:nvGrpSpPr>
     <dsp:grpSpPr/>
-    <dsp:sp modelId="{9807E57E-1E7D-4108-BB7B-2B42E874305B}">
-      <dsp:nvSpPr>
-        <dsp:cNvPr id="0" name=""/>
-        <dsp:cNvSpPr/>
-      </dsp:nvSpPr>
-      <dsp:spPr>
-        <a:xfrm>
-          <a:off x="0" y="1228870"/>
-          <a:ext cx="10515600" cy="913678"/>
-        </a:xfrm>
-        <a:prstGeom prst="roundRect">
-          <a:avLst/>
-        </a:prstGeom>
-        <a:solidFill>
-          <a:schemeClr val="lt1">
-            <a:hueOff val="0"/>
-            <a:satOff val="0"/>
-            <a:lumOff val="0"/>
-            <a:alphaOff val="0"/>
-          </a:schemeClr>
-        </a:solidFill>
-        <a:ln w="12700" cap="flat" cmpd="sng" algn="ctr">
-          <a:solidFill>
-            <a:schemeClr val="accent1">
-              <a:shade val="80000"/>
-              <a:hueOff val="0"/>
-              <a:satOff val="0"/>
-              <a:lumOff val="0"/>
-              <a:alphaOff val="0"/>
-            </a:schemeClr>
-          </a:solidFill>
-          <a:prstDash val="solid"/>
-          <a:miter lim="800000"/>
-        </a:ln>
-        <a:effectLst/>
-      </dsp:spPr>
-      <dsp:style>
-        <a:lnRef idx="2">
-          <a:scrgbClr r="0" g="0" b="0"/>
-        </a:lnRef>
-        <a:fillRef idx="1">
-          <a:scrgbClr r="0" g="0" b="0"/>
-        </a:fillRef>
-        <a:effectRef idx="0">
-          <a:scrgbClr r="0" g="0" b="0"/>
-        </a:effectRef>
-        <a:fontRef idx="minor">
-          <a:schemeClr val="lt1"/>
-        </a:fontRef>
-      </dsp:style>
-      <dsp:txBody>
-        <a:bodyPr spcFirstLastPara="0" vert="horz" wrap="square" lIns="87630" tIns="87630" rIns="87630" bIns="87630" numCol="1" spcCol="1270" anchor="ctr" anchorCtr="0">
-          <a:noAutofit/>
-        </a:bodyPr>
-        <a:lstStyle/>
-        <a:p>
-          <a:pPr lvl="0" algn="l" defTabSz="1022350" rtl="0">
-            <a:lnSpc>
-              <a:spcPct val="90000"/>
-            </a:lnSpc>
-            <a:spcBef>
-              <a:spcPct val="0"/>
-            </a:spcBef>
-            <a:spcAft>
-              <a:spcPct val="35000"/>
-            </a:spcAft>
-          </a:pPr>
-          <a:r>
-            <a:rPr lang="en-US" sz="2300" kern="1200" dirty="0" smtClean="0"/>
-            <a:t>Download the ImageNet dataset and unzip the training and validation datasets </a:t>
-          </a:r>
-          <a:endParaRPr lang="en-US" sz="2300" kern="1200" dirty="0"/>
-        </a:p>
-      </dsp:txBody>
-      <dsp:txXfrm>
-        <a:off x="44602" y="1273472"/>
-        <a:ext cx="10426396" cy="824474"/>
-      </dsp:txXfrm>
-    </dsp:sp>
-    <dsp:sp modelId="{9383AB85-9175-4AB9-9D4F-781DA0266214}">
-      <dsp:nvSpPr>
-        <dsp:cNvPr id="0" name=""/>
-        <dsp:cNvSpPr/>
-      </dsp:nvSpPr>
-      <dsp:spPr>
-        <a:xfrm>
-          <a:off x="0" y="2208789"/>
-          <a:ext cx="10515600" cy="913678"/>
-        </a:xfrm>
-        <a:prstGeom prst="roundRect">
-          <a:avLst/>
-        </a:prstGeom>
-        <a:solidFill>
-          <a:schemeClr val="lt1">
-            <a:hueOff val="0"/>
-            <a:satOff val="0"/>
-            <a:lumOff val="0"/>
-            <a:alphaOff val="0"/>
-          </a:schemeClr>
-        </a:solidFill>
-        <a:ln w="12700" cap="flat" cmpd="sng" algn="ctr">
-          <a:solidFill>
-            <a:schemeClr val="accent1">
-              <a:shade val="80000"/>
-              <a:hueOff val="0"/>
-              <a:satOff val="0"/>
-              <a:lumOff val="0"/>
-              <a:alphaOff val="0"/>
-            </a:schemeClr>
-          </a:solidFill>
-          <a:prstDash val="solid"/>
-          <a:miter lim="800000"/>
-        </a:ln>
-        <a:effectLst/>
-      </dsp:spPr>
-      <dsp:style>
-        <a:lnRef idx="2">
-          <a:scrgbClr r="0" g="0" b="0"/>
-        </a:lnRef>
-        <a:fillRef idx="1">
-          <a:scrgbClr r="0" g="0" b="0"/>
-        </a:fillRef>
-        <a:effectRef idx="0">
-          <a:scrgbClr r="0" g="0" b="0"/>
-        </a:effectRef>
-        <a:fontRef idx="minor">
-          <a:schemeClr val="lt1"/>
-        </a:fontRef>
-      </dsp:style>
-      <dsp:txBody>
-        <a:bodyPr spcFirstLastPara="0" vert="horz" wrap="square" lIns="87630" tIns="87630" rIns="87630" bIns="87630" numCol="1" spcCol="1270" anchor="ctr" anchorCtr="0">
-          <a:noAutofit/>
-        </a:bodyPr>
-        <a:lstStyle/>
-        <a:p>
-          <a:pPr lvl="0" algn="l" defTabSz="1022350" rtl="0">
-            <a:lnSpc>
-              <a:spcPct val="90000"/>
-            </a:lnSpc>
-            <a:spcBef>
-              <a:spcPct val="0"/>
-            </a:spcBef>
-            <a:spcAft>
-              <a:spcPct val="35000"/>
-            </a:spcAft>
-          </a:pPr>
-          <a:r>
-            <a:rPr lang="en-US" sz="2300" kern="1200" dirty="0" smtClean="0"/>
-            <a:t>Move validation images to labeled subfolders using this script: </a:t>
-          </a:r>
-          <a:r>
-            <a:rPr lang="en-US" sz="2300" kern="1200" dirty="0" smtClean="0">
-              <a:hlinkClick xmlns:r="http://schemas.openxmlformats.org/officeDocument/2006/relationships" r:id="rId1"/>
-            </a:rPr>
-            <a:t>https://raw.githubusercontent.com/soumith/imagenetloader.torch/master/valprep.sh</a:t>
-          </a:r>
-          <a:endParaRPr lang="en-US" sz="2300" kern="1200" dirty="0"/>
-        </a:p>
-      </dsp:txBody>
-      <dsp:txXfrm>
-        <a:off x="44602" y="2253391"/>
-        <a:ext cx="10426396" cy="824474"/>
-      </dsp:txXfrm>
-    </dsp:sp>
   </dsp:spTree>
 </dsp:drawing>
 </file>
@@ -5985,257 +5273,6 @@
       <dsp:cNvGrpSpPr/>
     </dsp:nvGrpSpPr>
     <dsp:grpSpPr/>
-    <dsp:sp modelId="{9807E57E-1E7D-4108-BB7B-2B42E874305B}">
-      <dsp:nvSpPr>
-        <dsp:cNvPr id="0" name=""/>
-        <dsp:cNvSpPr/>
-      </dsp:nvSpPr>
-      <dsp:spPr>
-        <a:xfrm>
-          <a:off x="0" y="174069"/>
-          <a:ext cx="10515600" cy="1272960"/>
-        </a:xfrm>
-        <a:prstGeom prst="roundRect">
-          <a:avLst/>
-        </a:prstGeom>
-        <a:solidFill>
-          <a:schemeClr val="lt1">
-            <a:hueOff val="0"/>
-            <a:satOff val="0"/>
-            <a:lumOff val="0"/>
-            <a:alphaOff val="0"/>
-          </a:schemeClr>
-        </a:solidFill>
-        <a:ln w="12700" cap="flat" cmpd="sng" algn="ctr">
-          <a:solidFill>
-            <a:schemeClr val="accent2">
-              <a:shade val="80000"/>
-              <a:hueOff val="0"/>
-              <a:satOff val="0"/>
-              <a:lumOff val="0"/>
-              <a:alphaOff val="0"/>
-            </a:schemeClr>
-          </a:solidFill>
-          <a:prstDash val="solid"/>
-          <a:miter lim="800000"/>
-        </a:ln>
-        <a:effectLst/>
-      </dsp:spPr>
-      <dsp:style>
-        <a:lnRef idx="2">
-          <a:scrgbClr r="0" g="0" b="0"/>
-        </a:lnRef>
-        <a:fillRef idx="1">
-          <a:scrgbClr r="0" g="0" b="0"/>
-        </a:fillRef>
-        <a:effectRef idx="0">
-          <a:scrgbClr r="0" g="0" b="0"/>
-        </a:effectRef>
-        <a:fontRef idx="minor">
-          <a:schemeClr val="lt1"/>
-        </a:fontRef>
-      </dsp:style>
-      <dsp:txBody>
-        <a:bodyPr spcFirstLastPara="0" vert="horz" wrap="square" lIns="121920" tIns="121920" rIns="121920" bIns="121920" numCol="1" spcCol="1270" anchor="ctr" anchorCtr="0">
-          <a:noAutofit/>
-        </a:bodyPr>
-        <a:lstStyle/>
-        <a:p>
-          <a:pPr lvl="0" algn="l" defTabSz="1422400" rtl="0">
-            <a:lnSpc>
-              <a:spcPct val="90000"/>
-            </a:lnSpc>
-            <a:spcBef>
-              <a:spcPct val="0"/>
-            </a:spcBef>
-            <a:spcAft>
-              <a:spcPct val="35000"/>
-            </a:spcAft>
-          </a:pPr>
-          <a:r>
-            <a:rPr lang="en-US" sz="3200" kern="1200" dirty="0" smtClean="0"/>
-            <a:t>Get script from </a:t>
-          </a:r>
-          <a:r>
-            <a:rPr lang="en-US" sz="3200" kern="1200" dirty="0" err="1" smtClean="0"/>
-            <a:t>PyTorch</a:t>
-          </a:r>
-          <a:r>
-            <a:rPr lang="en-US" sz="3200" kern="1200" dirty="0" smtClean="0"/>
-            <a:t> examples: </a:t>
-          </a:r>
-          <a:r>
-            <a:rPr lang="en-US" sz="3200" kern="1200" dirty="0" smtClean="0">
-              <a:hlinkClick xmlns:r="http://schemas.openxmlformats.org/officeDocument/2006/relationships" r:id="rId1"/>
-            </a:rPr>
-            <a:t>https://github.com/pytorch/examples/tree/master/imagenet</a:t>
-          </a:r>
-          <a:endParaRPr lang="en-US" sz="3200" kern="1200" dirty="0" smtClean="0"/>
-        </a:p>
-      </dsp:txBody>
-      <dsp:txXfrm>
-        <a:off x="62141" y="236210"/>
-        <a:ext cx="10391318" cy="1148678"/>
-      </dsp:txXfrm>
-    </dsp:sp>
-    <dsp:sp modelId="{9383AB85-9175-4AB9-9D4F-781DA0266214}">
-      <dsp:nvSpPr>
-        <dsp:cNvPr id="0" name=""/>
-        <dsp:cNvSpPr/>
-      </dsp:nvSpPr>
-      <dsp:spPr>
-        <a:xfrm>
-          <a:off x="0" y="1539189"/>
-          <a:ext cx="10515600" cy="1272960"/>
-        </a:xfrm>
-        <a:prstGeom prst="roundRect">
-          <a:avLst/>
-        </a:prstGeom>
-        <a:solidFill>
-          <a:schemeClr val="lt1">
-            <a:hueOff val="0"/>
-            <a:satOff val="0"/>
-            <a:lumOff val="0"/>
-            <a:alphaOff val="0"/>
-          </a:schemeClr>
-        </a:solidFill>
-        <a:ln w="12700" cap="flat" cmpd="sng" algn="ctr">
-          <a:solidFill>
-            <a:schemeClr val="accent2">
-              <a:shade val="80000"/>
-              <a:hueOff val="0"/>
-              <a:satOff val="0"/>
-              <a:lumOff val="0"/>
-              <a:alphaOff val="0"/>
-            </a:schemeClr>
-          </a:solidFill>
-          <a:prstDash val="solid"/>
-          <a:miter lim="800000"/>
-        </a:ln>
-        <a:effectLst/>
-      </dsp:spPr>
-      <dsp:style>
-        <a:lnRef idx="2">
-          <a:scrgbClr r="0" g="0" b="0"/>
-        </a:lnRef>
-        <a:fillRef idx="1">
-          <a:scrgbClr r="0" g="0" b="0"/>
-        </a:fillRef>
-        <a:effectRef idx="0">
-          <a:scrgbClr r="0" g="0" b="0"/>
-        </a:effectRef>
-        <a:fontRef idx="minor">
-          <a:schemeClr val="lt1"/>
-        </a:fontRef>
-      </dsp:style>
-      <dsp:txBody>
-        <a:bodyPr spcFirstLastPara="0" vert="horz" wrap="square" lIns="121920" tIns="121920" rIns="121920" bIns="121920" numCol="1" spcCol="1270" anchor="ctr" anchorCtr="0">
-          <a:noAutofit/>
-        </a:bodyPr>
-        <a:lstStyle/>
-        <a:p>
-          <a:pPr lvl="0" algn="l" defTabSz="1422400" rtl="0">
-            <a:lnSpc>
-              <a:spcPct val="90000"/>
-            </a:lnSpc>
-            <a:spcBef>
-              <a:spcPct val="0"/>
-            </a:spcBef>
-            <a:spcAft>
-              <a:spcPct val="35000"/>
-            </a:spcAft>
-          </a:pPr>
-          <a:r>
-            <a:rPr lang="en-US" sz="3200" kern="1200" dirty="0" smtClean="0"/>
-            <a:t>Modify dataset paths for training and validation folders</a:t>
-          </a:r>
-          <a:endParaRPr lang="en-US" sz="3200" kern="1200" dirty="0"/>
-        </a:p>
-      </dsp:txBody>
-      <dsp:txXfrm>
-        <a:off x="62141" y="1601330"/>
-        <a:ext cx="10391318" cy="1148678"/>
-      </dsp:txXfrm>
-    </dsp:sp>
-    <dsp:sp modelId="{80DD05EC-EF21-40B1-94FC-E672F844EFDA}">
-      <dsp:nvSpPr>
-        <dsp:cNvPr id="0" name=""/>
-        <dsp:cNvSpPr/>
-      </dsp:nvSpPr>
-      <dsp:spPr>
-        <a:xfrm>
-          <a:off x="0" y="2904309"/>
-          <a:ext cx="10515600" cy="1272960"/>
-        </a:xfrm>
-        <a:prstGeom prst="roundRect">
-          <a:avLst/>
-        </a:prstGeom>
-        <a:solidFill>
-          <a:schemeClr val="lt1">
-            <a:hueOff val="0"/>
-            <a:satOff val="0"/>
-            <a:lumOff val="0"/>
-            <a:alphaOff val="0"/>
-          </a:schemeClr>
-        </a:solidFill>
-        <a:ln w="12700" cap="flat" cmpd="sng" algn="ctr">
-          <a:solidFill>
-            <a:schemeClr val="accent2">
-              <a:shade val="80000"/>
-              <a:hueOff val="0"/>
-              <a:satOff val="0"/>
-              <a:lumOff val="0"/>
-              <a:alphaOff val="0"/>
-            </a:schemeClr>
-          </a:solidFill>
-          <a:prstDash val="solid"/>
-          <a:miter lim="800000"/>
-        </a:ln>
-        <a:effectLst/>
-      </dsp:spPr>
-      <dsp:style>
-        <a:lnRef idx="2">
-          <a:scrgbClr r="0" g="0" b="0"/>
-        </a:lnRef>
-        <a:fillRef idx="1">
-          <a:scrgbClr r="0" g="0" b="0"/>
-        </a:fillRef>
-        <a:effectRef idx="0">
-          <a:scrgbClr r="0" g="0" b="0"/>
-        </a:effectRef>
-        <a:fontRef idx="minor">
-          <a:schemeClr val="lt1"/>
-        </a:fontRef>
-      </dsp:style>
-      <dsp:txBody>
-        <a:bodyPr spcFirstLastPara="0" vert="horz" wrap="square" lIns="121920" tIns="121920" rIns="121920" bIns="121920" numCol="1" spcCol="1270" anchor="ctr" anchorCtr="0">
-          <a:noAutofit/>
-        </a:bodyPr>
-        <a:lstStyle/>
-        <a:p>
-          <a:pPr lvl="0" algn="l" defTabSz="1422400" rtl="0">
-            <a:lnSpc>
-              <a:spcPct val="90000"/>
-            </a:lnSpc>
-            <a:spcBef>
-              <a:spcPct val="0"/>
-            </a:spcBef>
-            <a:spcAft>
-              <a:spcPct val="35000"/>
-            </a:spcAft>
-          </a:pPr>
-          <a:r>
-            <a:rPr lang="en-US" sz="3200" kern="1200" dirty="0" smtClean="0"/>
-            <a:t>Modify any other parameters if needed</a:t>
-          </a:r>
-          <a:endParaRPr lang="en-US" sz="3200" kern="1200" dirty="0"/>
-        </a:p>
-      </dsp:txBody>
-      <dsp:txXfrm>
-        <a:off x="62141" y="2966450"/>
-        <a:ext cx="10391318" cy="1148678"/>
-      </dsp:txXfrm>
-    </dsp:sp>
   </dsp:spTree>
 </dsp:drawing>
 </file>
@@ -14032,7 +13069,7 @@
           <a:p>
             <a:fld id="{3F7B40EA-3425-4206-B086-E9ECD718184C}" type="datetimeFigureOut">
               <a:rPr lang="en-US" smtClean="0"/>
-              <a:t>12/24/2018</a:t>
+              <a:t>12/26/2018</a:t>
             </a:fld>
             <a:endParaRPr lang="en-US"/>
           </a:p>
@@ -14202,7 +13239,7 @@
           <a:p>
             <a:fld id="{3F7B40EA-3425-4206-B086-E9ECD718184C}" type="datetimeFigureOut">
               <a:rPr lang="en-US" smtClean="0"/>
-              <a:t>12/24/2018</a:t>
+              <a:t>12/26/2018</a:t>
             </a:fld>
             <a:endParaRPr lang="en-US"/>
           </a:p>
@@ -14382,7 +13419,7 @@
           <a:p>
             <a:fld id="{3F7B40EA-3425-4206-B086-E9ECD718184C}" type="datetimeFigureOut">
               <a:rPr lang="en-US" smtClean="0"/>
-              <a:t>12/24/2018</a:t>
+              <a:t>12/26/2018</a:t>
             </a:fld>
             <a:endParaRPr lang="en-US"/>
           </a:p>
@@ -14552,7 +13589,7 @@
           <a:p>
             <a:fld id="{3F7B40EA-3425-4206-B086-E9ECD718184C}" type="datetimeFigureOut">
               <a:rPr lang="en-US" smtClean="0"/>
-              <a:t>12/24/2018</a:t>
+              <a:t>12/26/2018</a:t>
             </a:fld>
             <a:endParaRPr lang="en-US"/>
           </a:p>
@@ -14798,7 +13835,7 @@
           <a:p>
             <a:fld id="{3F7B40EA-3425-4206-B086-E9ECD718184C}" type="datetimeFigureOut">
               <a:rPr lang="en-US" smtClean="0"/>
-              <a:t>12/24/2018</a:t>
+              <a:t>12/26/2018</a:t>
             </a:fld>
             <a:endParaRPr lang="en-US"/>
           </a:p>
@@ -15030,7 +14067,7 @@
           <a:p>
             <a:fld id="{3F7B40EA-3425-4206-B086-E9ECD718184C}" type="datetimeFigureOut">
               <a:rPr lang="en-US" smtClean="0"/>
-              <a:t>12/24/2018</a:t>
+              <a:t>12/26/2018</a:t>
             </a:fld>
             <a:endParaRPr lang="en-US"/>
           </a:p>
@@ -15397,7 +14434,7 @@
           <a:p>
             <a:fld id="{3F7B40EA-3425-4206-B086-E9ECD718184C}" type="datetimeFigureOut">
               <a:rPr lang="en-US" smtClean="0"/>
-              <a:t>12/24/2018</a:t>
+              <a:t>12/26/2018</a:t>
             </a:fld>
             <a:endParaRPr lang="en-US"/>
           </a:p>
@@ -15515,7 +14552,7 @@
           <a:p>
             <a:fld id="{3F7B40EA-3425-4206-B086-E9ECD718184C}" type="datetimeFigureOut">
               <a:rPr lang="en-US" smtClean="0"/>
-              <a:t>12/24/2018</a:t>
+              <a:t>12/26/2018</a:t>
             </a:fld>
             <a:endParaRPr lang="en-US"/>
           </a:p>
@@ -15610,7 +14647,7 @@
           <a:p>
             <a:fld id="{3F7B40EA-3425-4206-B086-E9ECD718184C}" type="datetimeFigureOut">
               <a:rPr lang="en-US" smtClean="0"/>
-              <a:t>12/24/2018</a:t>
+              <a:t>12/26/2018</a:t>
             </a:fld>
             <a:endParaRPr lang="en-US"/>
           </a:p>
@@ -15887,7 +14924,7 @@
           <a:p>
             <a:fld id="{3F7B40EA-3425-4206-B086-E9ECD718184C}" type="datetimeFigureOut">
               <a:rPr lang="en-US" smtClean="0"/>
-              <a:t>12/24/2018</a:t>
+              <a:t>12/26/2018</a:t>
             </a:fld>
             <a:endParaRPr lang="en-US"/>
           </a:p>
@@ -16140,7 +15177,7 @@
           <a:p>
             <a:fld id="{3F7B40EA-3425-4206-B086-E9ECD718184C}" type="datetimeFigureOut">
               <a:rPr lang="en-US" smtClean="0"/>
-              <a:t>12/24/2018</a:t>
+              <a:t>12/26/2018</a:t>
             </a:fld>
             <a:endParaRPr lang="en-US"/>
           </a:p>
@@ -16353,7 +15390,7 @@
           <a:p>
             <a:fld id="{3F7B40EA-3425-4206-B086-E9ECD718184C}" type="datetimeFigureOut">
               <a:rPr lang="en-US" smtClean="0"/>
-              <a:t>12/24/2018</a:t>
+              <a:t>12/26/2018</a:t>
             </a:fld>
             <a:endParaRPr lang="en-US"/>
           </a:p>
@@ -16812,11 +15849,7 @@
           <a:p>
             <a:r>
               <a:rPr lang="en-US" dirty="0" smtClean="0"/>
-              <a:t>2019. January. </a:t>
-            </a:r>
-            <a:r>
-              <a:rPr lang="en-US" dirty="0" smtClean="0"/>
-              <a:t>02</a:t>
+              <a:t>2019. January. 02</a:t>
             </a:r>
             <a:endParaRPr lang="en-US" dirty="0"/>
           </a:p>
@@ -16876,7 +15909,7 @@
           <a:p>
             <a:r>
               <a:rPr lang="en-US" dirty="0" smtClean="0"/>
-              <a:t>Training 1</a:t>
+              <a:t>Training</a:t>
             </a:r>
             <a:endParaRPr lang="en-US" dirty="0"/>
           </a:p>
@@ -16913,7 +15946,7 @@
       </p:pic>
       <p:pic>
         <p:nvPicPr>
-          <p:cNvPr id="7" name="Content Placeholder 6"/>
+          <p:cNvPr id="4" name="Content Placeholder 3"/>
           <p:cNvPicPr>
             <a:picLocks noGrp="1" noChangeAspect="1"/>
           </p:cNvPicPr>
@@ -16922,7 +15955,7 @@
           </p:nvPr>
         </p:nvPicPr>
         <p:blipFill>
-          <a:blip r:embed="rId3">
+          <a:blip r:embed="rId3" cstate="print">
             <a:extLst>
               <a:ext uri="{28A0092B-C50C-407E-A947-70E740481C1C}">
                 <a14:useLocalDpi xmlns:a14="http://schemas.microsoft.com/office/drawing/2010/main" val="0"/>
@@ -16935,8 +15968,8 @@
         </p:blipFill>
         <p:spPr>
           <a:xfrm>
-            <a:off x="6172200" y="2372052"/>
-            <a:ext cx="5181600" cy="3258483"/>
+            <a:off x="6172200" y="2698428"/>
+            <a:ext cx="5181600" cy="2605732"/>
           </a:xfrm>
         </p:spPr>
       </p:pic>
@@ -16994,7 +16027,7 @@
           <a:p>
             <a:r>
               <a:rPr lang="en-US" dirty="0" smtClean="0"/>
-              <a:t>Training 2</a:t>
+              <a:t>Validation</a:t>
             </a:r>
             <a:endParaRPr lang="en-US" dirty="0"/>
           </a:p>
@@ -17002,7 +16035,7 @@
       </p:sp>
       <p:pic>
         <p:nvPicPr>
-          <p:cNvPr id="5" name="Content Placeholder 4"/>
+          <p:cNvPr id="4" name="Content Placeholder 3"/>
           <p:cNvPicPr>
             <a:picLocks noGrp="1" noChangeAspect="1"/>
           </p:cNvPicPr>
@@ -17024,14 +16057,14 @@
         </p:blipFill>
         <p:spPr>
           <a:xfrm>
-            <a:off x="838200" y="2375004"/>
-            <a:ext cx="5181600" cy="3252580"/>
+            <a:off x="838200" y="2357719"/>
+            <a:ext cx="5181600" cy="3287150"/>
           </a:xfrm>
         </p:spPr>
       </p:pic>
       <p:pic>
         <p:nvPicPr>
-          <p:cNvPr id="6" name="Content Placeholder 5"/>
+          <p:cNvPr id="8" name="Content Placeholder 7"/>
           <p:cNvPicPr>
             <a:picLocks noGrp="1" noChangeAspect="1"/>
           </p:cNvPicPr>
@@ -17040,7 +16073,7 @@
           </p:nvPr>
         </p:nvPicPr>
         <p:blipFill>
-          <a:blip r:embed="rId3">
+          <a:blip r:embed="rId3" cstate="print">
             <a:extLst>
               <a:ext uri="{28A0092B-C50C-407E-A947-70E740481C1C}">
                 <a14:useLocalDpi xmlns:a14="http://schemas.microsoft.com/office/drawing/2010/main" val="0"/>
@@ -17053,8 +16086,8 @@
         </p:blipFill>
         <p:spPr>
           <a:xfrm>
-            <a:off x="6172200" y="2459257"/>
-            <a:ext cx="5181600" cy="3084074"/>
+            <a:off x="6172200" y="2701217"/>
+            <a:ext cx="5181600" cy="2600153"/>
           </a:xfrm>
         </p:spPr>
       </p:pic>
@@ -17112,23 +16145,20 @@
           <a:p>
             <a:r>
               <a:rPr lang="en-US" dirty="0" smtClean="0"/>
-              <a:t>Training </a:t>
+              <a:t>Training Loss</a:t>
             </a:r>
-            <a:r>
-              <a:rPr lang="en-US" dirty="0"/>
-              <a:t>3</a:t>
-            </a:r>
+            <a:endParaRPr lang="en-US" dirty="0"/>
           </a:p>
         </p:txBody>
       </p:sp>
       <p:pic>
         <p:nvPicPr>
-          <p:cNvPr id="5" name="Content Placeholder 4"/>
+          <p:cNvPr id="4" name="Content Placeholder 3"/>
           <p:cNvPicPr>
             <a:picLocks noGrp="1" noChangeAspect="1"/>
           </p:cNvPicPr>
           <p:nvPr>
-            <p:ph sz="half" idx="1"/>
+            <p:ph idx="1"/>
           </p:nvPr>
         </p:nvPicPr>
         <p:blipFill>
@@ -17145,44 +16175,15 @@
         </p:blipFill>
         <p:spPr>
           <a:xfrm>
-            <a:off x="838200" y="2363513"/>
-            <a:ext cx="5181600" cy="3275561"/>
-          </a:xfrm>
-        </p:spPr>
-      </p:pic>
-      <p:pic>
-        <p:nvPicPr>
-          <p:cNvPr id="3" name="Content Placeholder 2"/>
-          <p:cNvPicPr>
-            <a:picLocks noGrp="1" noChangeAspect="1"/>
-          </p:cNvPicPr>
-          <p:nvPr>
-            <p:ph sz="half" idx="2"/>
-          </p:nvPr>
-        </p:nvPicPr>
-        <p:blipFill>
-          <a:blip r:embed="rId3">
-            <a:extLst>
-              <a:ext uri="{28A0092B-C50C-407E-A947-70E740481C1C}">
-                <a14:useLocalDpi xmlns:a14="http://schemas.microsoft.com/office/drawing/2010/main" val="0"/>
-              </a:ext>
-            </a:extLst>
-          </a:blip>
-          <a:stretch>
-            <a:fillRect/>
-          </a:stretch>
-        </p:blipFill>
-        <p:spPr>
-          <a:xfrm>
-            <a:off x="6172200" y="2442783"/>
-            <a:ext cx="5181600" cy="3117021"/>
+            <a:off x="1785937" y="2120106"/>
+            <a:ext cx="8620125" cy="3762375"/>
           </a:xfrm>
         </p:spPr>
       </p:pic>
     </p:spTree>
     <p:extLst>
       <p:ext uri="{BB962C8B-B14F-4D97-AF65-F5344CB8AC3E}">
-        <p14:creationId xmlns:p14="http://schemas.microsoft.com/office/powerpoint/2010/main" val="361022361"/>
+        <p14:creationId xmlns:p14="http://schemas.microsoft.com/office/powerpoint/2010/main" val="1538857763"/>
       </p:ext>
     </p:extLst>
   </p:cSld>
@@ -17233,7 +16234,7 @@
           <a:p>
             <a:r>
               <a:rPr lang="en-US" dirty="0" smtClean="0"/>
-              <a:t>Training 4</a:t>
+              <a:t>Training Accuracy (Top 1)</a:t>
             </a:r>
             <a:endParaRPr lang="en-US" dirty="0"/>
           </a:p>
@@ -17241,12 +16242,12 @@
       </p:sp>
       <p:pic>
         <p:nvPicPr>
-          <p:cNvPr id="6" name="Content Placeholder 5"/>
+          <p:cNvPr id="4" name="Content Placeholder 3"/>
           <p:cNvPicPr>
             <a:picLocks noGrp="1" noChangeAspect="1"/>
           </p:cNvPicPr>
           <p:nvPr>
-            <p:ph sz="half" idx="1"/>
+            <p:ph idx="1"/>
           </p:nvPr>
         </p:nvPicPr>
         <p:blipFill>
@@ -17263,57 +16264,21 @@
         </p:blipFill>
         <p:spPr>
           <a:xfrm>
-            <a:off x="838200" y="2413604"/>
-            <a:ext cx="5181600" cy="3175379"/>
-          </a:xfrm>
-        </p:spPr>
-      </p:pic>
-      <p:pic>
-        <p:nvPicPr>
-          <p:cNvPr id="7" name="Content Placeholder 6"/>
-          <p:cNvPicPr>
-            <a:picLocks noGrp="1" noChangeAspect="1"/>
-          </p:cNvPicPr>
-          <p:nvPr>
-            <p:ph sz="half" idx="2"/>
-          </p:nvPr>
-        </p:nvPicPr>
-        <p:blipFill>
-          <a:blip r:embed="rId3">
-            <a:extLst>
-              <a:ext uri="{28A0092B-C50C-407E-A947-70E740481C1C}">
-                <a14:useLocalDpi xmlns:a14="http://schemas.microsoft.com/office/drawing/2010/main" val="0"/>
-              </a:ext>
-            </a:extLst>
-          </a:blip>
-          <a:stretch>
-            <a:fillRect/>
-          </a:stretch>
-        </p:blipFill>
-        <p:spPr>
-          <a:xfrm>
-            <a:off x="6172200" y="2461897"/>
-            <a:ext cx="5181600" cy="3078793"/>
+            <a:off x="1785937" y="2353469"/>
+            <a:ext cx="8620125" cy="3295650"/>
           </a:xfrm>
         </p:spPr>
       </p:pic>
     </p:spTree>
     <p:extLst>
       <p:ext uri="{BB962C8B-B14F-4D97-AF65-F5344CB8AC3E}">
-        <p14:creationId xmlns:p14="http://schemas.microsoft.com/office/powerpoint/2010/main" val="2513145723"/>
+        <p14:creationId xmlns:p14="http://schemas.microsoft.com/office/powerpoint/2010/main" val="313439398"/>
       </p:ext>
     </p:extLst>
   </p:cSld>
   <p:clrMapOvr>
     <a:masterClrMapping/>
   </p:clrMapOvr>
-  <p:timing>
-    <p:tnLst>
-      <p:par>
-        <p:cTn id="1" dur="indefinite" restart="never" nodeType="tmRoot"/>
-      </p:par>
-    </p:tnLst>
-  </p:timing>
 </p:sld>
 </file>
 
@@ -17351,7 +16316,15 @@
           <a:p>
             <a:r>
               <a:rPr lang="en-US" dirty="0" smtClean="0"/>
-              <a:t>Training 5</a:t>
+              <a:t>Training </a:t>
+            </a:r>
+            <a:r>
+              <a:rPr lang="en-US" dirty="0"/>
+              <a:t>Accuracy (Top </a:t>
+            </a:r>
+            <a:r>
+              <a:rPr lang="en-US" dirty="0" smtClean="0"/>
+              <a:t>5)</a:t>
             </a:r>
             <a:endParaRPr lang="en-US" dirty="0"/>
           </a:p>
@@ -17359,12 +16332,12 @@
       </p:sp>
       <p:pic>
         <p:nvPicPr>
-          <p:cNvPr id="6" name="Content Placeholder 5"/>
+          <p:cNvPr id="4" name="Content Placeholder 3"/>
           <p:cNvPicPr>
             <a:picLocks noGrp="1" noChangeAspect="1"/>
           </p:cNvPicPr>
           <p:nvPr>
-            <p:ph sz="half" idx="1"/>
+            <p:ph idx="1"/>
           </p:nvPr>
         </p:nvPicPr>
         <p:blipFill>
@@ -17381,57 +16354,21 @@
         </p:blipFill>
         <p:spPr>
           <a:xfrm>
-            <a:off x="838200" y="2457886"/>
-            <a:ext cx="5181600" cy="3086816"/>
-          </a:xfrm>
-        </p:spPr>
-      </p:pic>
-      <p:pic>
-        <p:nvPicPr>
-          <p:cNvPr id="7" name="Content Placeholder 6"/>
-          <p:cNvPicPr>
-            <a:picLocks noGrp="1" noChangeAspect="1"/>
-          </p:cNvPicPr>
-          <p:nvPr>
-            <p:ph sz="half" idx="2"/>
-          </p:nvPr>
-        </p:nvPicPr>
-        <p:blipFill>
-          <a:blip r:embed="rId3">
-            <a:extLst>
-              <a:ext uri="{28A0092B-C50C-407E-A947-70E740481C1C}">
-                <a14:useLocalDpi xmlns:a14="http://schemas.microsoft.com/office/drawing/2010/main" val="0"/>
-              </a:ext>
-            </a:extLst>
-          </a:blip>
-          <a:stretch>
-            <a:fillRect/>
-          </a:stretch>
-        </p:blipFill>
-        <p:spPr>
-          <a:xfrm>
-            <a:off x="6172200" y="2451243"/>
-            <a:ext cx="5181600" cy="3100102"/>
+            <a:off x="1785937" y="2353469"/>
+            <a:ext cx="8620125" cy="3295650"/>
           </a:xfrm>
         </p:spPr>
       </p:pic>
     </p:spTree>
     <p:extLst>
       <p:ext uri="{BB962C8B-B14F-4D97-AF65-F5344CB8AC3E}">
-        <p14:creationId xmlns:p14="http://schemas.microsoft.com/office/powerpoint/2010/main" val="49128426"/>
+        <p14:creationId xmlns:p14="http://schemas.microsoft.com/office/powerpoint/2010/main" val="2459885418"/>
       </p:ext>
     </p:extLst>
   </p:cSld>
   <p:clrMapOvr>
     <a:masterClrMapping/>
   </p:clrMapOvr>
-  <p:timing>
-    <p:tnLst>
-      <p:par>
-        <p:cTn id="1" dur="indefinite" restart="never" nodeType="tmRoot"/>
-      </p:par>
-    </p:tnLst>
-  </p:timing>
 </p:sld>
 </file>
 
@@ -17469,7 +16406,7 @@
           <a:p>
             <a:r>
               <a:rPr lang="en-US" dirty="0" smtClean="0"/>
-              <a:t>Validation 1</a:t>
+              <a:t>Results - Training</a:t>
             </a:r>
             <a:endParaRPr lang="en-US" dirty="0"/>
           </a:p>
@@ -17477,79 +16414,158 @@
       </p:sp>
       <p:pic>
         <p:nvPicPr>
-          <p:cNvPr id="6" name="Content Placeholder 5"/>
+          <p:cNvPr id="4" name="Content Placeholder 3"/>
           <p:cNvPicPr>
             <a:picLocks noGrp="1" noChangeAspect="1"/>
           </p:cNvPicPr>
           <p:nvPr>
-            <p:ph sz="half" idx="1"/>
+            <p:ph idx="1"/>
           </p:nvPr>
         </p:nvPicPr>
         <p:blipFill>
-          <a:blip r:embed="rId2">
-            <a:extLst>
-              <a:ext uri="{28A0092B-C50C-407E-A947-70E740481C1C}">
-                <a14:useLocalDpi xmlns:a14="http://schemas.microsoft.com/office/drawing/2010/main" val="0"/>
-              </a:ext>
-            </a:extLst>
-          </a:blip>
+          <a:blip r:embed="rId2"/>
           <a:stretch>
             <a:fillRect/>
           </a:stretch>
         </p:blipFill>
         <p:spPr>
           <a:xfrm>
-            <a:off x="838200" y="2357719"/>
-            <a:ext cx="5181600" cy="3287150"/>
+            <a:off x="2886075" y="1877219"/>
+            <a:ext cx="6419850" cy="4248150"/>
           </a:xfrm>
+          <a:prstGeom prst="rect">
+            <a:avLst/>
+          </a:prstGeom>
         </p:spPr>
       </p:pic>
-      <p:pic>
-        <p:nvPicPr>
-          <p:cNvPr id="7" name="Content Placeholder 6"/>
-          <p:cNvPicPr>
-            <a:picLocks noGrp="1" noChangeAspect="1"/>
-          </p:cNvPicPr>
-          <p:nvPr>
-            <p:ph sz="half" idx="2"/>
-          </p:nvPr>
-        </p:nvPicPr>
-        <p:blipFill>
-          <a:blip r:embed="rId3">
-            <a:extLst>
-              <a:ext uri="{28A0092B-C50C-407E-A947-70E740481C1C}">
-                <a14:useLocalDpi xmlns:a14="http://schemas.microsoft.com/office/drawing/2010/main" val="0"/>
-              </a:ext>
-            </a:extLst>
-          </a:blip>
-          <a:stretch>
-            <a:fillRect/>
-          </a:stretch>
-        </p:blipFill>
+      <p:sp>
+        <p:nvSpPr>
+          <p:cNvPr id="5" name="TextBox 4"/>
+          <p:cNvSpPr txBox="1"/>
+          <p:nvPr/>
+        </p:nvSpPr>
         <p:spPr>
           <a:xfrm>
-            <a:off x="6172200" y="2452156"/>
-            <a:ext cx="5181600" cy="3098276"/>
+            <a:off x="9457897" y="2197288"/>
+            <a:ext cx="1558825" cy="369332"/>
           </a:xfrm>
+          <a:prstGeom prst="rect">
+            <a:avLst/>
+          </a:prstGeom>
+          <a:noFill/>
         </p:spPr>
-      </p:pic>
+        <p:txBody>
+          <a:bodyPr wrap="none" rtlCol="0">
+            <a:spAutoFit/>
+          </a:bodyPr>
+          <a:lstStyle/>
+          <a:p>
+            <a:r>
+              <a:rPr lang="en-US" dirty="0" smtClean="0">
+                <a:solidFill>
+                  <a:schemeClr val="accent5">
+                    <a:lumMod val="50000"/>
+                  </a:schemeClr>
+                </a:solidFill>
+              </a:rPr>
+              <a:t>Top 5 accuracy</a:t>
+            </a:r>
+            <a:endParaRPr lang="en-US" dirty="0">
+              <a:solidFill>
+                <a:schemeClr val="accent5">
+                  <a:lumMod val="50000"/>
+                </a:schemeClr>
+              </a:solidFill>
+            </a:endParaRPr>
+          </a:p>
+        </p:txBody>
+      </p:sp>
+      <p:sp>
+        <p:nvSpPr>
+          <p:cNvPr id="6" name="TextBox 5"/>
+          <p:cNvSpPr txBox="1"/>
+          <p:nvPr/>
+        </p:nvSpPr>
+        <p:spPr>
+          <a:xfrm>
+            <a:off x="9460169" y="3045730"/>
+            <a:ext cx="1558825" cy="369332"/>
+          </a:xfrm>
+          <a:prstGeom prst="rect">
+            <a:avLst/>
+          </a:prstGeom>
+          <a:noFill/>
+        </p:spPr>
+        <p:txBody>
+          <a:bodyPr wrap="none" rtlCol="0">
+            <a:spAutoFit/>
+          </a:bodyPr>
+          <a:lstStyle/>
+          <a:p>
+            <a:r>
+              <a:rPr lang="en-US" dirty="0">
+                <a:solidFill>
+                  <a:srgbClr val="7030A0"/>
+                </a:solidFill>
+              </a:rPr>
+              <a:t>Top 1 accuracy</a:t>
+            </a:r>
+            <a:endParaRPr lang="en-US" dirty="0">
+              <a:solidFill>
+                <a:srgbClr val="7030A0"/>
+              </a:solidFill>
+            </a:endParaRPr>
+          </a:p>
+        </p:txBody>
+      </p:sp>
+      <p:sp>
+        <p:nvSpPr>
+          <p:cNvPr id="7" name="TextBox 6"/>
+          <p:cNvSpPr txBox="1"/>
+          <p:nvPr/>
+        </p:nvSpPr>
+        <p:spPr>
+          <a:xfrm>
+            <a:off x="9585273" y="5545555"/>
+            <a:ext cx="583814" cy="369332"/>
+          </a:xfrm>
+          <a:prstGeom prst="rect">
+            <a:avLst/>
+          </a:prstGeom>
+          <a:noFill/>
+        </p:spPr>
+        <p:txBody>
+          <a:bodyPr wrap="none" rtlCol="0">
+            <a:spAutoFit/>
+          </a:bodyPr>
+          <a:lstStyle/>
+          <a:p>
+            <a:r>
+              <a:rPr lang="en-US" dirty="0" smtClean="0">
+                <a:solidFill>
+                  <a:srgbClr val="C00000"/>
+                </a:solidFill>
+              </a:rPr>
+              <a:t>Loss</a:t>
+            </a:r>
+            <a:endParaRPr lang="en-US" dirty="0">
+              <a:solidFill>
+                <a:srgbClr val="C00000"/>
+              </a:solidFill>
+            </a:endParaRPr>
+          </a:p>
+        </p:txBody>
+      </p:sp>
     </p:spTree>
     <p:extLst>
       <p:ext uri="{BB962C8B-B14F-4D97-AF65-F5344CB8AC3E}">
-        <p14:creationId xmlns:p14="http://schemas.microsoft.com/office/powerpoint/2010/main" val="2849931064"/>
+        <p14:creationId xmlns:p14="http://schemas.microsoft.com/office/powerpoint/2010/main" val="28639994"/>
       </p:ext>
     </p:extLst>
   </p:cSld>
   <p:clrMapOvr>
     <a:masterClrMapping/>
   </p:clrMapOvr>
-  <p:timing>
-    <p:tnLst>
-      <p:par>
-        <p:cTn id="1" dur="indefinite" restart="never" nodeType="tmRoot"/>
-      </p:par>
-    </p:tnLst>
-  </p:timing>
 </p:sld>
 </file>
 
@@ -17587,23 +16603,20 @@
           <a:p>
             <a:r>
               <a:rPr lang="en-US" dirty="0" smtClean="0"/>
-              <a:t>Validation </a:t>
+              <a:t>Validation Loss</a:t>
             </a:r>
-            <a:r>
-              <a:rPr lang="en-US" dirty="0"/>
-              <a:t>2</a:t>
-            </a:r>
+            <a:endParaRPr lang="en-US" dirty="0"/>
           </a:p>
         </p:txBody>
       </p:sp>
       <p:pic>
         <p:nvPicPr>
-          <p:cNvPr id="5" name="Content Placeholder 4"/>
+          <p:cNvPr id="4" name="Content Placeholder 3"/>
           <p:cNvPicPr>
             <a:picLocks noGrp="1" noChangeAspect="1"/>
           </p:cNvPicPr>
           <p:nvPr>
-            <p:ph sz="half" idx="1"/>
+            <p:ph idx="1"/>
           </p:nvPr>
         </p:nvPicPr>
         <p:blipFill>
@@ -17620,57 +16633,21 @@
         </p:blipFill>
         <p:spPr>
           <a:xfrm>
-            <a:off x="838200" y="2444590"/>
-            <a:ext cx="5181600" cy="3113407"/>
-          </a:xfrm>
-        </p:spPr>
-      </p:pic>
-      <p:pic>
-        <p:nvPicPr>
-          <p:cNvPr id="3" name="Content Placeholder 2"/>
-          <p:cNvPicPr>
-            <a:picLocks noGrp="1" noChangeAspect="1"/>
-          </p:cNvPicPr>
-          <p:nvPr>
-            <p:ph sz="half" idx="2"/>
-          </p:nvPr>
-        </p:nvPicPr>
-        <p:blipFill>
-          <a:blip r:embed="rId3">
-            <a:extLst>
-              <a:ext uri="{28A0092B-C50C-407E-A947-70E740481C1C}">
-                <a14:useLocalDpi xmlns:a14="http://schemas.microsoft.com/office/drawing/2010/main" val="0"/>
-              </a:ext>
-            </a:extLst>
-          </a:blip>
-          <a:stretch>
-            <a:fillRect/>
-          </a:stretch>
-        </p:blipFill>
-        <p:spPr>
-          <a:xfrm>
-            <a:off x="6172200" y="2449943"/>
-            <a:ext cx="5181600" cy="3102701"/>
+            <a:off x="1785937" y="2367756"/>
+            <a:ext cx="8620125" cy="3267075"/>
           </a:xfrm>
         </p:spPr>
       </p:pic>
     </p:spTree>
     <p:extLst>
       <p:ext uri="{BB962C8B-B14F-4D97-AF65-F5344CB8AC3E}">
-        <p14:creationId xmlns:p14="http://schemas.microsoft.com/office/powerpoint/2010/main" val="1921238460"/>
+        <p14:creationId xmlns:p14="http://schemas.microsoft.com/office/powerpoint/2010/main" val="3856078043"/>
       </p:ext>
     </p:extLst>
   </p:cSld>
   <p:clrMapOvr>
     <a:masterClrMapping/>
   </p:clrMapOvr>
-  <p:timing>
-    <p:tnLst>
-      <p:par>
-        <p:cTn id="1" dur="indefinite" restart="never" nodeType="tmRoot"/>
-      </p:par>
-    </p:tnLst>
-  </p:timing>
 </p:sld>
 </file>
 
@@ -17708,9 +16685,12 @@
           <a:p>
             <a:r>
               <a:rPr lang="en-US" dirty="0" smtClean="0"/>
-              <a:t>Validation 3</a:t>
+              <a:t>Validation Accuracy </a:t>
             </a:r>
-            <a:endParaRPr lang="en-US" dirty="0"/>
+            <a:r>
+              <a:rPr lang="en-US" dirty="0"/>
+              <a:t>(Top 1)</a:t>
+            </a:r>
           </a:p>
         </p:txBody>
       </p:sp>
@@ -17721,7 +16701,7 @@
             <a:picLocks noGrp="1" noChangeAspect="1"/>
           </p:cNvPicPr>
           <p:nvPr>
-            <p:ph sz="half" idx="1"/>
+            <p:ph idx="1"/>
           </p:nvPr>
         </p:nvPicPr>
         <p:blipFill>
@@ -17738,57 +16718,21 @@
         </p:blipFill>
         <p:spPr>
           <a:xfrm>
-            <a:off x="838200" y="2454382"/>
-            <a:ext cx="5181600" cy="3093824"/>
-          </a:xfrm>
-        </p:spPr>
-      </p:pic>
-      <p:pic>
-        <p:nvPicPr>
-          <p:cNvPr id="6" name="Content Placeholder 5"/>
-          <p:cNvPicPr>
-            <a:picLocks noGrp="1" noChangeAspect="1"/>
-          </p:cNvPicPr>
-          <p:nvPr>
-            <p:ph sz="half" idx="2"/>
-          </p:nvPr>
-        </p:nvPicPr>
-        <p:blipFill>
-          <a:blip r:embed="rId2">
-            <a:extLst>
-              <a:ext uri="{28A0092B-C50C-407E-A947-70E740481C1C}">
-                <a14:useLocalDpi xmlns:a14="http://schemas.microsoft.com/office/drawing/2010/main" val="0"/>
-              </a:ext>
-            </a:extLst>
-          </a:blip>
-          <a:stretch>
-            <a:fillRect/>
-          </a:stretch>
-        </p:blipFill>
-        <p:spPr>
-          <a:xfrm>
-            <a:off x="6172200" y="2454382"/>
-            <a:ext cx="5181600" cy="3093824"/>
+            <a:off x="1785937" y="2367756"/>
+            <a:ext cx="8620125" cy="3267075"/>
           </a:xfrm>
         </p:spPr>
       </p:pic>
     </p:spTree>
     <p:extLst>
       <p:ext uri="{BB962C8B-B14F-4D97-AF65-F5344CB8AC3E}">
-        <p14:creationId xmlns:p14="http://schemas.microsoft.com/office/powerpoint/2010/main" val="4105899336"/>
+        <p14:creationId xmlns:p14="http://schemas.microsoft.com/office/powerpoint/2010/main" val="3833429840"/>
       </p:ext>
     </p:extLst>
   </p:cSld>
   <p:clrMapOvr>
     <a:masterClrMapping/>
   </p:clrMapOvr>
-  <p:timing>
-    <p:tnLst>
-      <p:par>
-        <p:cTn id="1" dur="indefinite" restart="never" nodeType="tmRoot"/>
-      </p:par>
-    </p:tnLst>
-  </p:timing>
 </p:sld>
 </file>
 
@@ -17825,8 +16769,12 @@
           <a:lstStyle/>
           <a:p>
             <a:r>
+              <a:rPr lang="en-US" dirty="0"/>
+              <a:t>Validation Accuracy (Top </a:t>
+            </a:r>
+            <a:r>
               <a:rPr lang="en-US" dirty="0" smtClean="0"/>
-              <a:t>Validation 4</a:t>
+              <a:t>5)</a:t>
             </a:r>
             <a:endParaRPr lang="en-US" dirty="0"/>
           </a:p>
@@ -17834,12 +16782,12 @@
       </p:sp>
       <p:pic>
         <p:nvPicPr>
-          <p:cNvPr id="6" name="Content Placeholder 5"/>
+          <p:cNvPr id="4" name="Content Placeholder 3"/>
           <p:cNvPicPr>
             <a:picLocks noGrp="1" noChangeAspect="1"/>
           </p:cNvPicPr>
           <p:nvPr>
-            <p:ph sz="half" idx="1"/>
+            <p:ph idx="1"/>
           </p:nvPr>
         </p:nvPicPr>
         <p:blipFill>
@@ -17856,57 +16804,21 @@
         </p:blipFill>
         <p:spPr>
           <a:xfrm>
-            <a:off x="838200" y="2463701"/>
-            <a:ext cx="5181600" cy="3075186"/>
-          </a:xfrm>
-        </p:spPr>
-      </p:pic>
-      <p:pic>
-        <p:nvPicPr>
-          <p:cNvPr id="7" name="Content Placeholder 6"/>
-          <p:cNvPicPr>
-            <a:picLocks noGrp="1" noChangeAspect="1"/>
-          </p:cNvPicPr>
-          <p:nvPr>
-            <p:ph sz="half" idx="2"/>
-          </p:nvPr>
-        </p:nvPicPr>
-        <p:blipFill>
-          <a:blip r:embed="rId3">
-            <a:extLst>
-              <a:ext uri="{28A0092B-C50C-407E-A947-70E740481C1C}">
-                <a14:useLocalDpi xmlns:a14="http://schemas.microsoft.com/office/drawing/2010/main" val="0"/>
-              </a:ext>
-            </a:extLst>
-          </a:blip>
-          <a:stretch>
-            <a:fillRect/>
-          </a:stretch>
-        </p:blipFill>
-        <p:spPr>
-          <a:xfrm>
-            <a:off x="6172200" y="2458782"/>
-            <a:ext cx="5181600" cy="3085024"/>
+            <a:off x="1785937" y="2367756"/>
+            <a:ext cx="8620125" cy="3267075"/>
           </a:xfrm>
         </p:spPr>
       </p:pic>
     </p:spTree>
     <p:extLst>
       <p:ext uri="{BB962C8B-B14F-4D97-AF65-F5344CB8AC3E}">
-        <p14:creationId xmlns:p14="http://schemas.microsoft.com/office/powerpoint/2010/main" val="706746501"/>
+        <p14:creationId xmlns:p14="http://schemas.microsoft.com/office/powerpoint/2010/main" val="1824988902"/>
       </p:ext>
     </p:extLst>
   </p:cSld>
   <p:clrMapOvr>
     <a:masterClrMapping/>
   </p:clrMapOvr>
-  <p:timing>
-    <p:tnLst>
-      <p:par>
-        <p:cTn id="1" dur="indefinite" restart="never" nodeType="tmRoot"/>
-      </p:par>
-    </p:tnLst>
-  </p:timing>
 </p:sld>
 </file>
 
@@ -17944,737 +16856,166 @@
           <a:p>
             <a:r>
               <a:rPr lang="en-US" dirty="0" smtClean="0"/>
-              <a:t>Results</a:t>
+              <a:t>Results - Validation</a:t>
             </a:r>
             <a:endParaRPr lang="en-US" dirty="0"/>
           </a:p>
         </p:txBody>
       </p:sp>
-      <p:graphicFrame>
-        <p:nvGraphicFramePr>
+      <p:pic>
+        <p:nvPicPr>
           <p:cNvPr id="4" name="Content Placeholder 3"/>
-          <p:cNvGraphicFramePr>
-            <a:graphicFrameLocks noGrp="1"/>
-          </p:cNvGraphicFramePr>
+          <p:cNvPicPr>
+            <a:picLocks noGrp="1" noChangeAspect="1"/>
+          </p:cNvPicPr>
           <p:nvPr>
             <p:ph idx="1"/>
-            <p:extLst>
-              <p:ext uri="{D42A27DB-BD31-4B8C-83A1-F6EECF244321}">
-                <p14:modId xmlns:p14="http://schemas.microsoft.com/office/powerpoint/2010/main" val="2850495250"/>
-              </p:ext>
-            </p:extLst>
           </p:nvPr>
-        </p:nvGraphicFramePr>
-        <p:xfrm>
-          <a:off x="838200" y="1825625"/>
-          <a:ext cx="10515600" cy="4450080"/>
-        </p:xfrm>
-        <a:graphic>
-          <a:graphicData uri="http://schemas.openxmlformats.org/drawingml/2006/table">
-            <a:tbl>
-              <a:tblPr firstRow="1" bandRow="1">
-                <a:tableStyleId>{93296810-A885-4BE3-A3E7-6D5BEEA58F35}</a:tableStyleId>
-              </a:tblPr>
-              <a:tblGrid>
-                <a:gridCol w="3505200"/>
-                <a:gridCol w="3505200"/>
-                <a:gridCol w="3505200"/>
-              </a:tblGrid>
-              <a:tr h="370840">
-                <a:tc>
-                  <a:txBody>
-                    <a:bodyPr/>
-                    <a:lstStyle/>
-                    <a:p>
-                      <a:r>
-                        <a:rPr lang="en-US" dirty="0" smtClean="0"/>
-                        <a:t>#</a:t>
-                      </a:r>
-                      <a:endParaRPr lang="en-US" dirty="0"/>
-                    </a:p>
-                  </a:txBody>
-                  <a:tcPr/>
-                </a:tc>
-                <a:tc>
-                  <a:txBody>
-                    <a:bodyPr/>
-                    <a:lstStyle/>
-                    <a:p>
-                      <a:r>
-                        <a:rPr lang="en-US" dirty="0" smtClean="0"/>
-                        <a:t>Result</a:t>
-                      </a:r>
-                      <a:endParaRPr lang="en-US" dirty="0"/>
-                    </a:p>
-                  </a:txBody>
-                  <a:tcPr/>
-                </a:tc>
-                <a:tc>
-                  <a:txBody>
-                    <a:bodyPr/>
-                    <a:lstStyle/>
-                    <a:p>
-                      <a:r>
-                        <a:rPr lang="en-US" dirty="0" err="1" smtClean="0"/>
-                        <a:t>PyTorch</a:t>
-                      </a:r>
-                      <a:r>
-                        <a:rPr lang="en-US" baseline="0" dirty="0" smtClean="0"/>
-                        <a:t> Model Original</a:t>
-                      </a:r>
-                      <a:endParaRPr lang="en-US" dirty="0"/>
-                    </a:p>
-                  </a:txBody>
-                  <a:tcPr/>
-                </a:tc>
-              </a:tr>
-              <a:tr h="370840">
-                <a:tc>
-                  <a:txBody>
-                    <a:bodyPr/>
-                    <a:lstStyle/>
-                    <a:p>
-                      <a:r>
-                        <a:rPr lang="en-US" b="0" dirty="0" smtClean="0"/>
-                        <a:t>Epochs</a:t>
-                      </a:r>
-                      <a:endParaRPr lang="en-US" b="0" dirty="0"/>
-                    </a:p>
-                  </a:txBody>
-                  <a:tcPr/>
-                </a:tc>
-                <a:tc>
-                  <a:txBody>
-                    <a:bodyPr/>
-                    <a:lstStyle/>
-                    <a:p>
-                      <a:r>
-                        <a:rPr lang="en-US" b="0" dirty="0" smtClean="0"/>
-                        <a:t>52</a:t>
-                      </a:r>
-                      <a:endParaRPr lang="en-US" b="0" dirty="0"/>
-                    </a:p>
-                  </a:txBody>
-                  <a:tcPr/>
-                </a:tc>
-                <a:tc>
-                  <a:txBody>
-                    <a:bodyPr/>
-                    <a:lstStyle/>
-                    <a:p>
-                      <a:r>
-                        <a:rPr lang="en-US" b="0" dirty="0" smtClean="0"/>
-                        <a:t>90</a:t>
-                      </a:r>
-                      <a:endParaRPr lang="en-US" b="0" dirty="0"/>
-                    </a:p>
-                  </a:txBody>
-                  <a:tcPr/>
-                </a:tc>
-              </a:tr>
-              <a:tr h="370840">
-                <a:tc>
-                  <a:txBody>
-                    <a:bodyPr/>
-                    <a:lstStyle/>
-                    <a:p>
-                      <a:r>
-                        <a:rPr lang="en-US" dirty="0" smtClean="0">
-                          <a:solidFill>
-                            <a:srgbClr val="00B050"/>
-                          </a:solidFill>
-                        </a:rPr>
-                        <a:t>Training accuracy – Top 1</a:t>
-                      </a:r>
-                      <a:endParaRPr lang="en-US" dirty="0">
-                        <a:solidFill>
-                          <a:srgbClr val="00B050"/>
-                        </a:solidFill>
-                      </a:endParaRPr>
-                    </a:p>
-                  </a:txBody>
-                  <a:tcPr/>
-                </a:tc>
-                <a:tc>
-                  <a:txBody>
-                    <a:bodyPr/>
-                    <a:lstStyle/>
-                    <a:p>
-                      <a:r>
-                        <a:rPr lang="en-US" dirty="0" smtClean="0">
-                          <a:solidFill>
-                            <a:srgbClr val="00B050"/>
-                          </a:solidFill>
-                        </a:rPr>
-                        <a:t>0.61</a:t>
-                      </a:r>
-                      <a:endParaRPr lang="en-US" dirty="0">
-                        <a:solidFill>
-                          <a:srgbClr val="00B050"/>
-                        </a:solidFill>
-                      </a:endParaRPr>
-                    </a:p>
-                  </a:txBody>
-                  <a:tcPr/>
-                </a:tc>
-                <a:tc>
-                  <a:txBody>
-                    <a:bodyPr/>
-                    <a:lstStyle/>
-                    <a:p>
-                      <a:endParaRPr lang="en-US" dirty="0">
-                        <a:solidFill>
-                          <a:srgbClr val="00B050"/>
-                        </a:solidFill>
-                      </a:endParaRPr>
-                    </a:p>
-                  </a:txBody>
-                  <a:tcPr/>
-                </a:tc>
-              </a:tr>
-              <a:tr h="370840">
-                <a:tc>
-                  <a:txBody>
-                    <a:bodyPr/>
-                    <a:lstStyle/>
-                    <a:p>
-                      <a:r>
-                        <a:rPr lang="en-US" dirty="0" smtClean="0">
-                          <a:solidFill>
-                            <a:srgbClr val="00B050"/>
-                          </a:solidFill>
-                        </a:rPr>
-                        <a:t>Training accuracy – Top 5</a:t>
-                      </a:r>
-                      <a:endParaRPr lang="en-US" dirty="0">
-                        <a:solidFill>
-                          <a:srgbClr val="00B050"/>
-                        </a:solidFill>
-                      </a:endParaRPr>
-                    </a:p>
-                  </a:txBody>
-                  <a:tcPr/>
-                </a:tc>
-                <a:tc>
-                  <a:txBody>
-                    <a:bodyPr/>
-                    <a:lstStyle/>
-                    <a:p>
-                      <a:r>
-                        <a:rPr lang="en-US" dirty="0" smtClean="0">
-                          <a:solidFill>
-                            <a:srgbClr val="00B050"/>
-                          </a:solidFill>
-                        </a:rPr>
-                        <a:t>0.82</a:t>
-                      </a:r>
-                      <a:endParaRPr lang="en-US" dirty="0">
-                        <a:solidFill>
-                          <a:srgbClr val="00B050"/>
-                        </a:solidFill>
-                      </a:endParaRPr>
-                    </a:p>
-                  </a:txBody>
-                  <a:tcPr/>
-                </a:tc>
-                <a:tc>
-                  <a:txBody>
-                    <a:bodyPr/>
-                    <a:lstStyle/>
-                    <a:p>
-                      <a:endParaRPr lang="en-US" dirty="0">
-                        <a:solidFill>
-                          <a:srgbClr val="00B050"/>
-                        </a:solidFill>
-                      </a:endParaRPr>
-                    </a:p>
-                  </a:txBody>
-                  <a:tcPr/>
-                </a:tc>
-              </a:tr>
-              <a:tr h="370840">
-                <a:tc>
-                  <a:txBody>
-                    <a:bodyPr/>
-                    <a:lstStyle/>
-                    <a:p>
-                      <a:r>
-                        <a:rPr lang="en-US" dirty="0" smtClean="0">
-                          <a:solidFill>
-                            <a:srgbClr val="FF0000"/>
-                          </a:solidFill>
-                        </a:rPr>
-                        <a:t>Validation accuracy – Top 1</a:t>
-                      </a:r>
-                      <a:endParaRPr lang="en-US" dirty="0">
-                        <a:solidFill>
-                          <a:srgbClr val="FF0000"/>
-                        </a:solidFill>
-                      </a:endParaRPr>
-                    </a:p>
-                  </a:txBody>
-                  <a:tcPr/>
-                </a:tc>
-                <a:tc>
-                  <a:txBody>
-                    <a:bodyPr/>
-                    <a:lstStyle/>
-                    <a:p>
-                      <a:r>
-                        <a:rPr lang="en-US" dirty="0" smtClean="0">
-                          <a:solidFill>
-                            <a:srgbClr val="FF0000"/>
-                          </a:solidFill>
-                        </a:rPr>
-                        <a:t>0.69</a:t>
-                      </a:r>
-                      <a:endParaRPr lang="en-US" dirty="0">
-                        <a:solidFill>
-                          <a:srgbClr val="FF0000"/>
-                        </a:solidFill>
-                      </a:endParaRPr>
-                    </a:p>
-                  </a:txBody>
-                  <a:tcPr/>
-                </a:tc>
-                <a:tc>
-                  <a:txBody>
-                    <a:bodyPr/>
-                    <a:lstStyle/>
-                    <a:p>
-                      <a:endParaRPr lang="en-US" dirty="0">
-                        <a:solidFill>
-                          <a:srgbClr val="FF0000"/>
-                        </a:solidFill>
-                      </a:endParaRPr>
-                    </a:p>
-                  </a:txBody>
-                  <a:tcPr/>
-                </a:tc>
-              </a:tr>
-              <a:tr h="370840">
-                <a:tc>
-                  <a:txBody>
-                    <a:bodyPr/>
-                    <a:lstStyle/>
-                    <a:p>
-                      <a:pPr marL="0" marR="0" lvl="0" indent="0" algn="l" defTabSz="914400" rtl="0" eaLnBrk="1" fontAlgn="auto" latinLnBrk="0" hangingPunct="1">
-                        <a:lnSpc>
-                          <a:spcPct val="100000"/>
-                        </a:lnSpc>
-                        <a:spcBef>
-                          <a:spcPts val="0"/>
-                        </a:spcBef>
-                        <a:spcAft>
-                          <a:spcPts val="0"/>
-                        </a:spcAft>
-                        <a:buClrTx/>
-                        <a:buSzTx/>
-                        <a:buFontTx/>
-                        <a:buNone/>
-                        <a:tabLst/>
-                        <a:defRPr/>
-                      </a:pPr>
-                      <a:r>
-                        <a:rPr lang="en-US" dirty="0" smtClean="0">
-                          <a:solidFill>
-                            <a:srgbClr val="FF0000"/>
-                          </a:solidFill>
-                        </a:rPr>
-                        <a:t>Validation accuracy – Top 5</a:t>
-                      </a:r>
-                    </a:p>
-                  </a:txBody>
-                  <a:tcPr/>
-                </a:tc>
-                <a:tc>
-                  <a:txBody>
-                    <a:bodyPr/>
-                    <a:lstStyle/>
-                    <a:p>
-                      <a:r>
-                        <a:rPr lang="en-US" dirty="0" smtClean="0">
-                          <a:solidFill>
-                            <a:srgbClr val="FF0000"/>
-                          </a:solidFill>
-                        </a:rPr>
-                        <a:t>0.89</a:t>
-                      </a:r>
-                      <a:endParaRPr lang="en-US" dirty="0">
-                        <a:solidFill>
-                          <a:srgbClr val="FF0000"/>
-                        </a:solidFill>
-                      </a:endParaRPr>
-                    </a:p>
-                  </a:txBody>
-                  <a:tcPr/>
-                </a:tc>
-                <a:tc>
-                  <a:txBody>
-                    <a:bodyPr/>
-                    <a:lstStyle/>
-                    <a:p>
-                      <a:endParaRPr lang="en-US" dirty="0">
-                        <a:solidFill>
-                          <a:srgbClr val="FF0000"/>
-                        </a:solidFill>
-                      </a:endParaRPr>
-                    </a:p>
-                  </a:txBody>
-                  <a:tcPr/>
-                </a:tc>
-              </a:tr>
-              <a:tr h="370840">
-                <a:tc>
-                  <a:txBody>
-                    <a:bodyPr/>
-                    <a:lstStyle/>
-                    <a:p>
-                      <a:r>
-                        <a:rPr lang="en-US" dirty="0" smtClean="0"/>
-                        <a:t>Batch training time (seconds)</a:t>
-                      </a:r>
-                      <a:endParaRPr lang="en-US" dirty="0"/>
-                    </a:p>
-                  </a:txBody>
-                  <a:tcPr/>
-                </a:tc>
-                <a:tc>
-                  <a:txBody>
-                    <a:bodyPr/>
-                    <a:lstStyle/>
-                    <a:p>
-                      <a:r>
-                        <a:rPr lang="en-US" dirty="0" smtClean="0"/>
-                        <a:t>0.25</a:t>
-                      </a:r>
-                      <a:endParaRPr lang="en-US" dirty="0"/>
-                    </a:p>
-                  </a:txBody>
-                  <a:tcPr/>
-                </a:tc>
-                <a:tc>
-                  <a:txBody>
-                    <a:bodyPr/>
-                    <a:lstStyle/>
-                    <a:p>
-                      <a:endParaRPr lang="en-US" dirty="0"/>
-                    </a:p>
-                  </a:txBody>
-                  <a:tcPr/>
-                </a:tc>
-              </a:tr>
-              <a:tr h="370840">
-                <a:tc>
-                  <a:txBody>
-                    <a:bodyPr/>
-                    <a:lstStyle/>
-                    <a:p>
-                      <a:r>
-                        <a:rPr lang="en-US" dirty="0" smtClean="0"/>
-                        <a:t>Batch validation time (seconds)</a:t>
-                      </a:r>
-                      <a:endParaRPr lang="en-US" dirty="0"/>
-                    </a:p>
-                  </a:txBody>
-                  <a:tcPr/>
-                </a:tc>
-                <a:tc>
-                  <a:txBody>
-                    <a:bodyPr/>
-                    <a:lstStyle/>
-                    <a:p>
-                      <a:r>
-                        <a:rPr lang="en-US" dirty="0" smtClean="0"/>
-                        <a:t>0.09</a:t>
-                      </a:r>
-                      <a:endParaRPr lang="en-US" dirty="0"/>
-                    </a:p>
-                  </a:txBody>
-                  <a:tcPr/>
-                </a:tc>
-                <a:tc>
-                  <a:txBody>
-                    <a:bodyPr/>
-                    <a:lstStyle/>
-                    <a:p>
-                      <a:endParaRPr lang="en-US" dirty="0"/>
-                    </a:p>
-                  </a:txBody>
-                  <a:tcPr/>
-                </a:tc>
-              </a:tr>
-              <a:tr h="370840">
-                <a:tc>
-                  <a:txBody>
-                    <a:bodyPr/>
-                    <a:lstStyle/>
-                    <a:p>
-                      <a:r>
-                        <a:rPr lang="en-US" dirty="0" smtClean="0"/>
-                        <a:t>Training Loss</a:t>
-                      </a:r>
-                      <a:endParaRPr lang="en-US" dirty="0"/>
-                    </a:p>
-                  </a:txBody>
-                  <a:tcPr/>
-                </a:tc>
-                <a:tc>
-                  <a:txBody>
-                    <a:bodyPr/>
-                    <a:lstStyle/>
-                    <a:p>
-                      <a:r>
-                        <a:rPr lang="en-US" dirty="0" smtClean="0"/>
-                        <a:t>1.66</a:t>
-                      </a:r>
-                      <a:endParaRPr lang="en-US" dirty="0"/>
-                    </a:p>
-                  </a:txBody>
-                  <a:tcPr/>
-                </a:tc>
-                <a:tc>
-                  <a:txBody>
-                    <a:bodyPr/>
-                    <a:lstStyle/>
-                    <a:p>
-                      <a:endParaRPr lang="en-US" dirty="0"/>
-                    </a:p>
-                  </a:txBody>
-                  <a:tcPr/>
-                </a:tc>
-              </a:tr>
-              <a:tr h="370840">
-                <a:tc>
-                  <a:txBody>
-                    <a:bodyPr/>
-                    <a:lstStyle/>
-                    <a:p>
-                      <a:r>
-                        <a:rPr lang="en-US" dirty="0" smtClean="0"/>
-                        <a:t>Validation Loss</a:t>
-                      </a:r>
-                      <a:endParaRPr lang="en-US" dirty="0"/>
-                    </a:p>
-                  </a:txBody>
-                  <a:tcPr/>
-                </a:tc>
-                <a:tc>
-                  <a:txBody>
-                    <a:bodyPr/>
-                    <a:lstStyle/>
-                    <a:p>
-                      <a:r>
-                        <a:rPr lang="en-US" dirty="0" smtClean="0"/>
-                        <a:t>1.26</a:t>
-                      </a:r>
-                      <a:endParaRPr lang="en-US" dirty="0"/>
-                    </a:p>
-                  </a:txBody>
-                  <a:tcPr/>
-                </a:tc>
-                <a:tc>
-                  <a:txBody>
-                    <a:bodyPr/>
-                    <a:lstStyle/>
-                    <a:p>
-                      <a:endParaRPr lang="en-US" dirty="0"/>
-                    </a:p>
-                  </a:txBody>
-                  <a:tcPr/>
-                </a:tc>
-              </a:tr>
-              <a:tr h="370840">
-                <a:tc>
-                  <a:txBody>
-                    <a:bodyPr/>
-                    <a:lstStyle/>
-                    <a:p>
-                      <a:r>
-                        <a:rPr lang="en-US" dirty="0" smtClean="0">
-                          <a:solidFill>
-                            <a:schemeClr val="accent2">
-                              <a:lumMod val="75000"/>
-                            </a:schemeClr>
-                          </a:solidFill>
-                        </a:rPr>
-                        <a:t>Validation</a:t>
-                      </a:r>
-                      <a:r>
-                        <a:rPr lang="en-US" baseline="0" dirty="0" smtClean="0">
-                          <a:solidFill>
-                            <a:schemeClr val="accent2">
-                              <a:lumMod val="75000"/>
-                            </a:schemeClr>
-                          </a:solidFill>
-                        </a:rPr>
-                        <a:t> Error – Top 1</a:t>
-                      </a:r>
-                      <a:endParaRPr lang="en-US" dirty="0">
-                        <a:solidFill>
-                          <a:schemeClr val="accent2">
-                            <a:lumMod val="75000"/>
-                          </a:schemeClr>
-                        </a:solidFill>
-                      </a:endParaRPr>
-                    </a:p>
-                  </a:txBody>
-                  <a:tcPr/>
-                </a:tc>
-                <a:tc>
-                  <a:txBody>
-                    <a:bodyPr/>
-                    <a:lstStyle/>
-                    <a:p>
-                      <a:r>
-                        <a:rPr lang="en-US" dirty="0" smtClean="0">
-                          <a:solidFill>
-                            <a:schemeClr val="accent2">
-                              <a:lumMod val="75000"/>
-                            </a:schemeClr>
-                          </a:solidFill>
-                        </a:rPr>
-                        <a:t>0.33</a:t>
-                      </a:r>
-                      <a:endParaRPr lang="en-US" dirty="0">
-                        <a:solidFill>
-                          <a:schemeClr val="accent2">
-                            <a:lumMod val="75000"/>
-                          </a:schemeClr>
-                        </a:solidFill>
-                      </a:endParaRPr>
-                    </a:p>
-                  </a:txBody>
-                  <a:tcPr/>
-                </a:tc>
-                <a:tc>
-                  <a:txBody>
-                    <a:bodyPr/>
-                    <a:lstStyle/>
-                    <a:p>
-                      <a:r>
-                        <a:rPr lang="en-US" dirty="0" smtClean="0">
-                          <a:solidFill>
-                            <a:schemeClr val="accent2">
-                              <a:lumMod val="75000"/>
-                            </a:schemeClr>
-                          </a:solidFill>
-                        </a:rPr>
-                        <a:t>0.2663</a:t>
-                      </a:r>
-                      <a:endParaRPr lang="en-US" dirty="0">
-                        <a:solidFill>
-                          <a:schemeClr val="accent2">
-                            <a:lumMod val="75000"/>
-                          </a:schemeClr>
-                        </a:solidFill>
-                      </a:endParaRPr>
-                    </a:p>
-                  </a:txBody>
-                  <a:tcPr/>
-                </a:tc>
-              </a:tr>
-              <a:tr h="370840">
-                <a:tc>
-                  <a:txBody>
-                    <a:bodyPr/>
-                    <a:lstStyle/>
-                    <a:p>
-                      <a:r>
-                        <a:rPr lang="en-US" dirty="0" smtClean="0">
-                          <a:solidFill>
-                            <a:schemeClr val="accent2">
-                              <a:lumMod val="75000"/>
-                            </a:schemeClr>
-                          </a:solidFill>
-                        </a:rPr>
-                        <a:t>Validation Error – Top 5</a:t>
-                      </a:r>
-                      <a:endParaRPr lang="en-US" dirty="0">
-                        <a:solidFill>
-                          <a:schemeClr val="accent2">
-                            <a:lumMod val="75000"/>
-                          </a:schemeClr>
-                        </a:solidFill>
-                      </a:endParaRPr>
-                    </a:p>
-                  </a:txBody>
-                  <a:tcPr/>
-                </a:tc>
-                <a:tc>
-                  <a:txBody>
-                    <a:bodyPr/>
-                    <a:lstStyle/>
-                    <a:p>
-                      <a:r>
-                        <a:rPr lang="en-US" dirty="0" smtClean="0">
-                          <a:solidFill>
-                            <a:schemeClr val="accent2">
-                              <a:lumMod val="75000"/>
-                            </a:schemeClr>
-                          </a:solidFill>
-                        </a:rPr>
-                        <a:t>0.12</a:t>
-                      </a:r>
-                      <a:endParaRPr lang="en-US" dirty="0">
-                        <a:solidFill>
-                          <a:schemeClr val="accent2">
-                            <a:lumMod val="75000"/>
-                          </a:schemeClr>
-                        </a:solidFill>
-                      </a:endParaRPr>
-                    </a:p>
-                  </a:txBody>
-                  <a:tcPr/>
-                </a:tc>
-                <a:tc>
-                  <a:txBody>
-                    <a:bodyPr/>
-                    <a:lstStyle/>
-                    <a:p>
-                      <a:r>
-                        <a:rPr lang="en-US" dirty="0" smtClean="0">
-                          <a:solidFill>
-                            <a:schemeClr val="accent2">
-                              <a:lumMod val="75000"/>
-                            </a:schemeClr>
-                          </a:solidFill>
-                        </a:rPr>
-                        <a:t>0.0850</a:t>
-                      </a:r>
-                      <a:endParaRPr lang="en-US" dirty="0">
-                        <a:solidFill>
-                          <a:schemeClr val="accent2">
-                            <a:lumMod val="75000"/>
-                          </a:schemeClr>
-                        </a:solidFill>
-                      </a:endParaRPr>
-                    </a:p>
-                  </a:txBody>
-                  <a:tcPr/>
-                </a:tc>
-              </a:tr>
-            </a:tbl>
-          </a:graphicData>
-        </a:graphic>
-      </p:graphicFrame>
+        </p:nvPicPr>
+        <p:blipFill>
+          <a:blip r:embed="rId2"/>
+          <a:stretch>
+            <a:fillRect/>
+          </a:stretch>
+        </p:blipFill>
+        <p:spPr>
+          <a:xfrm>
+            <a:off x="2786062" y="1958181"/>
+            <a:ext cx="6619875" cy="4086225"/>
+          </a:xfrm>
+          <a:prstGeom prst="rect">
+            <a:avLst/>
+          </a:prstGeom>
+        </p:spPr>
+      </p:pic>
+      <p:sp>
+        <p:nvSpPr>
+          <p:cNvPr id="5" name="TextBox 4"/>
+          <p:cNvSpPr txBox="1"/>
+          <p:nvPr/>
+        </p:nvSpPr>
+        <p:spPr>
+          <a:xfrm>
+            <a:off x="9512489" y="2279176"/>
+            <a:ext cx="1558825" cy="369332"/>
+          </a:xfrm>
+          <a:prstGeom prst="rect">
+            <a:avLst/>
+          </a:prstGeom>
+          <a:noFill/>
+        </p:spPr>
+        <p:txBody>
+          <a:bodyPr wrap="none" rtlCol="0">
+            <a:spAutoFit/>
+          </a:bodyPr>
+          <a:lstStyle/>
+          <a:p>
+            <a:r>
+              <a:rPr lang="en-US" dirty="0" smtClean="0">
+                <a:solidFill>
+                  <a:schemeClr val="accent5">
+                    <a:lumMod val="50000"/>
+                  </a:schemeClr>
+                </a:solidFill>
+              </a:rPr>
+              <a:t>Top 5 accuracy</a:t>
+            </a:r>
+            <a:endParaRPr lang="en-US" dirty="0">
+              <a:solidFill>
+                <a:schemeClr val="accent5">
+                  <a:lumMod val="50000"/>
+                </a:schemeClr>
+              </a:solidFill>
+            </a:endParaRPr>
+          </a:p>
+        </p:txBody>
+      </p:sp>
+      <p:sp>
+        <p:nvSpPr>
+          <p:cNvPr id="6" name="TextBox 5"/>
+          <p:cNvSpPr txBox="1"/>
+          <p:nvPr/>
+        </p:nvSpPr>
+        <p:spPr>
+          <a:xfrm>
+            <a:off x="9514761" y="2936546"/>
+            <a:ext cx="1558825" cy="369332"/>
+          </a:xfrm>
+          <a:prstGeom prst="rect">
+            <a:avLst/>
+          </a:prstGeom>
+          <a:noFill/>
+        </p:spPr>
+        <p:txBody>
+          <a:bodyPr wrap="none" rtlCol="0">
+            <a:spAutoFit/>
+          </a:bodyPr>
+          <a:lstStyle/>
+          <a:p>
+            <a:r>
+              <a:rPr lang="en-US" dirty="0">
+                <a:solidFill>
+                  <a:srgbClr val="7030A0"/>
+                </a:solidFill>
+              </a:rPr>
+              <a:t>Top 1 accuracy</a:t>
+            </a:r>
+            <a:endParaRPr lang="en-US" dirty="0">
+              <a:solidFill>
+                <a:srgbClr val="7030A0"/>
+              </a:solidFill>
+            </a:endParaRPr>
+          </a:p>
+        </p:txBody>
+      </p:sp>
+      <p:sp>
+        <p:nvSpPr>
+          <p:cNvPr id="7" name="TextBox 6"/>
+          <p:cNvSpPr txBox="1"/>
+          <p:nvPr/>
+        </p:nvSpPr>
+        <p:spPr>
+          <a:xfrm>
+            <a:off x="9612569" y="5463667"/>
+            <a:ext cx="583814" cy="369332"/>
+          </a:xfrm>
+          <a:prstGeom prst="rect">
+            <a:avLst/>
+          </a:prstGeom>
+          <a:noFill/>
+        </p:spPr>
+        <p:txBody>
+          <a:bodyPr wrap="none" rtlCol="0">
+            <a:spAutoFit/>
+          </a:bodyPr>
+          <a:lstStyle/>
+          <a:p>
+            <a:r>
+              <a:rPr lang="en-US" dirty="0" smtClean="0">
+                <a:solidFill>
+                  <a:srgbClr val="C00000"/>
+                </a:solidFill>
+              </a:rPr>
+              <a:t>Loss</a:t>
+            </a:r>
+            <a:endParaRPr lang="en-US" dirty="0">
+              <a:solidFill>
+                <a:srgbClr val="C00000"/>
+              </a:solidFill>
+            </a:endParaRPr>
+          </a:p>
+        </p:txBody>
+      </p:sp>
     </p:spTree>
     <p:extLst>
       <p:ext uri="{BB962C8B-B14F-4D97-AF65-F5344CB8AC3E}">
-        <p14:creationId xmlns:p14="http://schemas.microsoft.com/office/powerpoint/2010/main" val="919864278"/>
+        <p14:creationId xmlns:p14="http://schemas.microsoft.com/office/powerpoint/2010/main" val="3950360325"/>
       </p:ext>
     </p:extLst>
   </p:cSld>
   <p:clrMapOvr>
     <a:masterClrMapping/>
   </p:clrMapOvr>
-  <p:timing>
-    <p:tnLst>
-      <p:par>
-        <p:cTn id="1" dur="indefinite" restart="never" nodeType="tmRoot"/>
-      </p:par>
-    </p:tnLst>
-  </p:timing>
 </p:sld>
 </file>
 
@@ -18782,6 +17123,959 @@
 </file>
 
 <file path=ppt/slides/slide20.xml><?xml version="1.0" encoding="utf-8"?>
+<p:sld xmlns:a="http://schemas.openxmlformats.org/drawingml/2006/main" xmlns:r="http://schemas.openxmlformats.org/officeDocument/2006/relationships" xmlns:p="http://schemas.openxmlformats.org/presentationml/2006/main">
+  <p:cSld>
+    <p:spTree>
+      <p:nvGrpSpPr>
+        <p:cNvPr id="1" name=""/>
+        <p:cNvGrpSpPr/>
+        <p:nvPr/>
+      </p:nvGrpSpPr>
+      <p:grpSpPr>
+        <a:xfrm>
+          <a:off x="0" y="0"/>
+          <a:ext cx="0" cy="0"/>
+          <a:chOff x="0" y="0"/>
+          <a:chExt cx="0" cy="0"/>
+        </a:xfrm>
+      </p:grpSpPr>
+      <p:sp>
+        <p:nvSpPr>
+          <p:cNvPr id="2" name="Title 1"/>
+          <p:cNvSpPr>
+            <a:spLocks noGrp="1"/>
+          </p:cNvSpPr>
+          <p:nvPr>
+            <p:ph type="title"/>
+          </p:nvPr>
+        </p:nvSpPr>
+        <p:spPr/>
+        <p:txBody>
+          <a:bodyPr/>
+          <a:lstStyle/>
+          <a:p>
+            <a:r>
+              <a:rPr lang="en-US" dirty="0" smtClean="0"/>
+              <a:t>Results</a:t>
+            </a:r>
+            <a:endParaRPr lang="en-US" dirty="0"/>
+          </a:p>
+        </p:txBody>
+      </p:sp>
+      <p:graphicFrame>
+        <p:nvGraphicFramePr>
+          <p:cNvPr id="4" name="Content Placeholder 3"/>
+          <p:cNvGraphicFramePr>
+            <a:graphicFrameLocks noGrp="1"/>
+          </p:cNvGraphicFramePr>
+          <p:nvPr>
+            <p:ph idx="1"/>
+            <p:extLst>
+              <p:ext uri="{D42A27DB-BD31-4B8C-83A1-F6EECF244321}">
+                <p14:modId xmlns:p14="http://schemas.microsoft.com/office/powerpoint/2010/main" val="2535470964"/>
+              </p:ext>
+            </p:extLst>
+          </p:nvPr>
+        </p:nvGraphicFramePr>
+        <p:xfrm>
+          <a:off x="838200" y="1825625"/>
+          <a:ext cx="10515600" cy="4450080"/>
+        </p:xfrm>
+        <a:graphic>
+          <a:graphicData uri="http://schemas.openxmlformats.org/drawingml/2006/table">
+            <a:tbl>
+              <a:tblPr firstRow="1" bandRow="1">
+                <a:tableStyleId>{93296810-A885-4BE3-A3E7-6D5BEEA58F35}</a:tableStyleId>
+              </a:tblPr>
+              <a:tblGrid>
+                <a:gridCol w="3228833"/>
+                <a:gridCol w="2028967"/>
+                <a:gridCol w="2628900"/>
+                <a:gridCol w="2628900"/>
+              </a:tblGrid>
+              <a:tr h="370840">
+                <a:tc>
+                  <a:txBody>
+                    <a:bodyPr/>
+                    <a:lstStyle/>
+                    <a:p>
+                      <a:r>
+                        <a:rPr lang="en-US" dirty="0" smtClean="0"/>
+                        <a:t>#</a:t>
+                      </a:r>
+                      <a:endParaRPr lang="en-US" dirty="0"/>
+                    </a:p>
+                  </a:txBody>
+                  <a:tcPr/>
+                </a:tc>
+                <a:tc>
+                  <a:txBody>
+                    <a:bodyPr/>
+                    <a:lstStyle/>
+                    <a:p>
+                      <a:r>
+                        <a:rPr lang="en-US" dirty="0" smtClean="0"/>
+                        <a:t>Experiment Result</a:t>
+                      </a:r>
+                      <a:endParaRPr lang="en-US" dirty="0"/>
+                    </a:p>
+                  </a:txBody>
+                  <a:tcPr/>
+                </a:tc>
+                <a:tc>
+                  <a:txBody>
+                    <a:bodyPr/>
+                    <a:lstStyle/>
+                    <a:p>
+                      <a:r>
+                        <a:rPr lang="en-US" dirty="0" err="1" smtClean="0"/>
+                        <a:t>PyTorch</a:t>
+                      </a:r>
+                      <a:r>
+                        <a:rPr lang="en-US" baseline="0" dirty="0" smtClean="0"/>
+                        <a:t> </a:t>
+                      </a:r>
+                      <a:r>
+                        <a:rPr lang="en-US" baseline="0" dirty="0" smtClean="0"/>
+                        <a:t>– Original Model</a:t>
+                      </a:r>
+                      <a:endParaRPr lang="en-US" dirty="0"/>
+                    </a:p>
+                  </a:txBody>
+                  <a:tcPr/>
+                </a:tc>
+                <a:tc>
+                  <a:txBody>
+                    <a:bodyPr/>
+                    <a:lstStyle/>
+                    <a:p>
+                      <a:r>
+                        <a:rPr lang="en-US" dirty="0" smtClean="0"/>
+                        <a:t>VGG16</a:t>
+                      </a:r>
+                      <a:r>
+                        <a:rPr lang="en-US" baseline="0" dirty="0" smtClean="0"/>
+                        <a:t> – Original Paper</a:t>
+                      </a:r>
+                      <a:endParaRPr lang="en-US" dirty="0"/>
+                    </a:p>
+                  </a:txBody>
+                  <a:tcPr/>
+                </a:tc>
+              </a:tr>
+              <a:tr h="370840">
+                <a:tc>
+                  <a:txBody>
+                    <a:bodyPr/>
+                    <a:lstStyle/>
+                    <a:p>
+                      <a:r>
+                        <a:rPr lang="en-US" b="0" dirty="0" smtClean="0"/>
+                        <a:t>Epochs</a:t>
+                      </a:r>
+                      <a:endParaRPr lang="en-US" b="0" dirty="0"/>
+                    </a:p>
+                  </a:txBody>
+                  <a:tcPr/>
+                </a:tc>
+                <a:tc>
+                  <a:txBody>
+                    <a:bodyPr/>
+                    <a:lstStyle/>
+                    <a:p>
+                      <a:r>
+                        <a:rPr lang="en-US" b="0" dirty="0" smtClean="0"/>
+                        <a:t>58</a:t>
+                      </a:r>
+                      <a:endParaRPr lang="en-US" b="0" dirty="0"/>
+                    </a:p>
+                  </a:txBody>
+                  <a:tcPr/>
+                </a:tc>
+                <a:tc>
+                  <a:txBody>
+                    <a:bodyPr/>
+                    <a:lstStyle/>
+                    <a:p>
+                      <a:r>
+                        <a:rPr lang="en-US" b="0" dirty="0" smtClean="0"/>
+                        <a:t>90</a:t>
+                      </a:r>
+                      <a:endParaRPr lang="en-US" b="0" dirty="0"/>
+                    </a:p>
+                  </a:txBody>
+                  <a:tcPr/>
+                </a:tc>
+                <a:tc>
+                  <a:txBody>
+                    <a:bodyPr/>
+                    <a:lstStyle/>
+                    <a:p>
+                      <a:r>
+                        <a:rPr lang="en-US" b="0" dirty="0" smtClean="0"/>
+                        <a:t>74</a:t>
+                      </a:r>
+                      <a:endParaRPr lang="en-US" b="0" dirty="0"/>
+                    </a:p>
+                  </a:txBody>
+                  <a:tcPr/>
+                </a:tc>
+              </a:tr>
+              <a:tr h="370840">
+                <a:tc>
+                  <a:txBody>
+                    <a:bodyPr/>
+                    <a:lstStyle/>
+                    <a:p>
+                      <a:r>
+                        <a:rPr lang="en-US" dirty="0" smtClean="0">
+                          <a:solidFill>
+                            <a:srgbClr val="00B050"/>
+                          </a:solidFill>
+                        </a:rPr>
+                        <a:t>Training accuracy – Top 1</a:t>
+                      </a:r>
+                      <a:endParaRPr lang="en-US" dirty="0">
+                        <a:solidFill>
+                          <a:srgbClr val="00B050"/>
+                        </a:solidFill>
+                      </a:endParaRPr>
+                    </a:p>
+                  </a:txBody>
+                  <a:tcPr/>
+                </a:tc>
+                <a:tc>
+                  <a:txBody>
+                    <a:bodyPr/>
+                    <a:lstStyle/>
+                    <a:p>
+                      <a:r>
+                        <a:rPr lang="en-US" dirty="0" smtClean="0">
+                          <a:solidFill>
+                            <a:srgbClr val="00B050"/>
+                          </a:solidFill>
+                        </a:rPr>
+                        <a:t>0.62</a:t>
+                      </a:r>
+                      <a:endParaRPr lang="en-US" dirty="0">
+                        <a:solidFill>
+                          <a:srgbClr val="00B050"/>
+                        </a:solidFill>
+                      </a:endParaRPr>
+                    </a:p>
+                  </a:txBody>
+                  <a:tcPr/>
+                </a:tc>
+                <a:tc>
+                  <a:txBody>
+                    <a:bodyPr/>
+                    <a:lstStyle/>
+                    <a:p>
+                      <a:endParaRPr lang="en-US" dirty="0">
+                        <a:solidFill>
+                          <a:srgbClr val="00B050"/>
+                        </a:solidFill>
+                      </a:endParaRPr>
+                    </a:p>
+                  </a:txBody>
+                  <a:tcPr/>
+                </a:tc>
+                <a:tc>
+                  <a:txBody>
+                    <a:bodyPr/>
+                    <a:lstStyle/>
+                    <a:p>
+                      <a:endParaRPr lang="en-US" dirty="0">
+                        <a:solidFill>
+                          <a:srgbClr val="00B050"/>
+                        </a:solidFill>
+                      </a:endParaRPr>
+                    </a:p>
+                  </a:txBody>
+                  <a:tcPr/>
+                </a:tc>
+              </a:tr>
+              <a:tr h="370840">
+                <a:tc>
+                  <a:txBody>
+                    <a:bodyPr/>
+                    <a:lstStyle/>
+                    <a:p>
+                      <a:r>
+                        <a:rPr lang="en-US" dirty="0" smtClean="0">
+                          <a:solidFill>
+                            <a:srgbClr val="00B050"/>
+                          </a:solidFill>
+                        </a:rPr>
+                        <a:t>Training accuracy – Top 5</a:t>
+                      </a:r>
+                      <a:endParaRPr lang="en-US" dirty="0">
+                        <a:solidFill>
+                          <a:srgbClr val="00B050"/>
+                        </a:solidFill>
+                      </a:endParaRPr>
+                    </a:p>
+                  </a:txBody>
+                  <a:tcPr/>
+                </a:tc>
+                <a:tc>
+                  <a:txBody>
+                    <a:bodyPr/>
+                    <a:lstStyle/>
+                    <a:p>
+                      <a:r>
+                        <a:rPr lang="en-US" dirty="0" smtClean="0">
+                          <a:solidFill>
+                            <a:srgbClr val="00B050"/>
+                          </a:solidFill>
+                        </a:rPr>
+                        <a:t>0.81</a:t>
+                      </a:r>
+                      <a:endParaRPr lang="en-US" dirty="0">
+                        <a:solidFill>
+                          <a:srgbClr val="00B050"/>
+                        </a:solidFill>
+                      </a:endParaRPr>
+                    </a:p>
+                  </a:txBody>
+                  <a:tcPr/>
+                </a:tc>
+                <a:tc>
+                  <a:txBody>
+                    <a:bodyPr/>
+                    <a:lstStyle/>
+                    <a:p>
+                      <a:endParaRPr lang="en-US" dirty="0">
+                        <a:solidFill>
+                          <a:srgbClr val="00B050"/>
+                        </a:solidFill>
+                      </a:endParaRPr>
+                    </a:p>
+                  </a:txBody>
+                  <a:tcPr/>
+                </a:tc>
+                <a:tc>
+                  <a:txBody>
+                    <a:bodyPr/>
+                    <a:lstStyle/>
+                    <a:p>
+                      <a:endParaRPr lang="en-US" dirty="0">
+                        <a:solidFill>
+                          <a:srgbClr val="00B050"/>
+                        </a:solidFill>
+                      </a:endParaRPr>
+                    </a:p>
+                  </a:txBody>
+                  <a:tcPr/>
+                </a:tc>
+              </a:tr>
+              <a:tr h="370840">
+                <a:tc>
+                  <a:txBody>
+                    <a:bodyPr/>
+                    <a:lstStyle/>
+                    <a:p>
+                      <a:r>
+                        <a:rPr lang="en-US" dirty="0" smtClean="0">
+                          <a:solidFill>
+                            <a:srgbClr val="FF0000"/>
+                          </a:solidFill>
+                        </a:rPr>
+                        <a:t>Validation accuracy – Top 1</a:t>
+                      </a:r>
+                      <a:endParaRPr lang="en-US" dirty="0">
+                        <a:solidFill>
+                          <a:srgbClr val="FF0000"/>
+                        </a:solidFill>
+                      </a:endParaRPr>
+                    </a:p>
+                  </a:txBody>
+                  <a:tcPr/>
+                </a:tc>
+                <a:tc>
+                  <a:txBody>
+                    <a:bodyPr/>
+                    <a:lstStyle/>
+                    <a:p>
+                      <a:r>
+                        <a:rPr lang="en-US" dirty="0" smtClean="0">
+                          <a:solidFill>
+                            <a:srgbClr val="FF0000"/>
+                          </a:solidFill>
+                        </a:rPr>
+                        <a:t>0.69</a:t>
+                      </a:r>
+                      <a:endParaRPr lang="en-US" dirty="0">
+                        <a:solidFill>
+                          <a:srgbClr val="FF0000"/>
+                        </a:solidFill>
+                      </a:endParaRPr>
+                    </a:p>
+                  </a:txBody>
+                  <a:tcPr/>
+                </a:tc>
+                <a:tc>
+                  <a:txBody>
+                    <a:bodyPr/>
+                    <a:lstStyle/>
+                    <a:p>
+                      <a:endParaRPr lang="en-US" dirty="0">
+                        <a:solidFill>
+                          <a:srgbClr val="FF0000"/>
+                        </a:solidFill>
+                      </a:endParaRPr>
+                    </a:p>
+                  </a:txBody>
+                  <a:tcPr/>
+                </a:tc>
+                <a:tc>
+                  <a:txBody>
+                    <a:bodyPr/>
+                    <a:lstStyle/>
+                    <a:p>
+                      <a:endParaRPr lang="en-US" dirty="0">
+                        <a:solidFill>
+                          <a:srgbClr val="FF0000"/>
+                        </a:solidFill>
+                      </a:endParaRPr>
+                    </a:p>
+                  </a:txBody>
+                  <a:tcPr/>
+                </a:tc>
+              </a:tr>
+              <a:tr h="370840">
+                <a:tc>
+                  <a:txBody>
+                    <a:bodyPr/>
+                    <a:lstStyle/>
+                    <a:p>
+                      <a:pPr marL="0" marR="0" lvl="0" indent="0" algn="l" defTabSz="914400" rtl="0" eaLnBrk="1" fontAlgn="auto" latinLnBrk="0" hangingPunct="1">
+                        <a:lnSpc>
+                          <a:spcPct val="100000"/>
+                        </a:lnSpc>
+                        <a:spcBef>
+                          <a:spcPts val="0"/>
+                        </a:spcBef>
+                        <a:spcAft>
+                          <a:spcPts val="0"/>
+                        </a:spcAft>
+                        <a:buClrTx/>
+                        <a:buSzTx/>
+                        <a:buFontTx/>
+                        <a:buNone/>
+                        <a:tabLst/>
+                        <a:defRPr/>
+                      </a:pPr>
+                      <a:r>
+                        <a:rPr lang="en-US" dirty="0" smtClean="0">
+                          <a:solidFill>
+                            <a:srgbClr val="FF0000"/>
+                          </a:solidFill>
+                        </a:rPr>
+                        <a:t>Validation accuracy – Top 5</a:t>
+                      </a:r>
+                    </a:p>
+                  </a:txBody>
+                  <a:tcPr/>
+                </a:tc>
+                <a:tc>
+                  <a:txBody>
+                    <a:bodyPr/>
+                    <a:lstStyle/>
+                    <a:p>
+                      <a:r>
+                        <a:rPr lang="en-US" dirty="0" smtClean="0">
+                          <a:solidFill>
+                            <a:srgbClr val="FF0000"/>
+                          </a:solidFill>
+                        </a:rPr>
+                        <a:t>0.89</a:t>
+                      </a:r>
+                      <a:endParaRPr lang="en-US" dirty="0">
+                        <a:solidFill>
+                          <a:srgbClr val="FF0000"/>
+                        </a:solidFill>
+                      </a:endParaRPr>
+                    </a:p>
+                  </a:txBody>
+                  <a:tcPr/>
+                </a:tc>
+                <a:tc>
+                  <a:txBody>
+                    <a:bodyPr/>
+                    <a:lstStyle/>
+                    <a:p>
+                      <a:endParaRPr lang="en-US" dirty="0">
+                        <a:solidFill>
+                          <a:srgbClr val="FF0000"/>
+                        </a:solidFill>
+                      </a:endParaRPr>
+                    </a:p>
+                  </a:txBody>
+                  <a:tcPr/>
+                </a:tc>
+                <a:tc>
+                  <a:txBody>
+                    <a:bodyPr/>
+                    <a:lstStyle/>
+                    <a:p>
+                      <a:endParaRPr lang="en-US" dirty="0">
+                        <a:solidFill>
+                          <a:srgbClr val="FF0000"/>
+                        </a:solidFill>
+                      </a:endParaRPr>
+                    </a:p>
+                  </a:txBody>
+                  <a:tcPr/>
+                </a:tc>
+              </a:tr>
+              <a:tr h="370840">
+                <a:tc>
+                  <a:txBody>
+                    <a:bodyPr/>
+                    <a:lstStyle/>
+                    <a:p>
+                      <a:r>
+                        <a:rPr lang="en-US" dirty="0" smtClean="0"/>
+                        <a:t>Batch training time (seconds)</a:t>
+                      </a:r>
+                      <a:endParaRPr lang="en-US" dirty="0"/>
+                    </a:p>
+                  </a:txBody>
+                  <a:tcPr/>
+                </a:tc>
+                <a:tc>
+                  <a:txBody>
+                    <a:bodyPr/>
+                    <a:lstStyle/>
+                    <a:p>
+                      <a:r>
+                        <a:rPr lang="en-US" dirty="0" smtClean="0"/>
+                        <a:t>0.25</a:t>
+                      </a:r>
+                      <a:endParaRPr lang="en-US" dirty="0"/>
+                    </a:p>
+                  </a:txBody>
+                  <a:tcPr/>
+                </a:tc>
+                <a:tc>
+                  <a:txBody>
+                    <a:bodyPr/>
+                    <a:lstStyle/>
+                    <a:p>
+                      <a:endParaRPr lang="en-US" dirty="0"/>
+                    </a:p>
+                  </a:txBody>
+                  <a:tcPr/>
+                </a:tc>
+                <a:tc>
+                  <a:txBody>
+                    <a:bodyPr/>
+                    <a:lstStyle/>
+                    <a:p>
+                      <a:endParaRPr lang="en-US" dirty="0"/>
+                    </a:p>
+                  </a:txBody>
+                  <a:tcPr/>
+                </a:tc>
+              </a:tr>
+              <a:tr h="370840">
+                <a:tc>
+                  <a:txBody>
+                    <a:bodyPr/>
+                    <a:lstStyle/>
+                    <a:p>
+                      <a:r>
+                        <a:rPr lang="en-US" dirty="0" smtClean="0"/>
+                        <a:t>Batch validation time (seconds)</a:t>
+                      </a:r>
+                      <a:endParaRPr lang="en-US" dirty="0"/>
+                    </a:p>
+                  </a:txBody>
+                  <a:tcPr/>
+                </a:tc>
+                <a:tc>
+                  <a:txBody>
+                    <a:bodyPr/>
+                    <a:lstStyle/>
+                    <a:p>
+                      <a:r>
+                        <a:rPr lang="en-US" dirty="0" smtClean="0"/>
+                        <a:t>0.08</a:t>
+                      </a:r>
+                      <a:endParaRPr lang="en-US" dirty="0"/>
+                    </a:p>
+                  </a:txBody>
+                  <a:tcPr/>
+                </a:tc>
+                <a:tc>
+                  <a:txBody>
+                    <a:bodyPr/>
+                    <a:lstStyle/>
+                    <a:p>
+                      <a:endParaRPr lang="en-US" dirty="0"/>
+                    </a:p>
+                  </a:txBody>
+                  <a:tcPr/>
+                </a:tc>
+                <a:tc>
+                  <a:txBody>
+                    <a:bodyPr/>
+                    <a:lstStyle/>
+                    <a:p>
+                      <a:endParaRPr lang="en-US" dirty="0"/>
+                    </a:p>
+                  </a:txBody>
+                  <a:tcPr/>
+                </a:tc>
+              </a:tr>
+              <a:tr h="370840">
+                <a:tc>
+                  <a:txBody>
+                    <a:bodyPr/>
+                    <a:lstStyle/>
+                    <a:p>
+                      <a:r>
+                        <a:rPr lang="en-US" dirty="0" smtClean="0"/>
+                        <a:t>Training Loss</a:t>
+                      </a:r>
+                      <a:endParaRPr lang="en-US" dirty="0"/>
+                    </a:p>
+                  </a:txBody>
+                  <a:tcPr/>
+                </a:tc>
+                <a:tc>
+                  <a:txBody>
+                    <a:bodyPr/>
+                    <a:lstStyle/>
+                    <a:p>
+                      <a:r>
+                        <a:rPr lang="en-US" dirty="0" smtClean="0"/>
+                        <a:t>1.63</a:t>
+                      </a:r>
+                      <a:endParaRPr lang="en-US" dirty="0"/>
+                    </a:p>
+                  </a:txBody>
+                  <a:tcPr/>
+                </a:tc>
+                <a:tc>
+                  <a:txBody>
+                    <a:bodyPr/>
+                    <a:lstStyle/>
+                    <a:p>
+                      <a:endParaRPr lang="en-US" dirty="0"/>
+                    </a:p>
+                  </a:txBody>
+                  <a:tcPr/>
+                </a:tc>
+                <a:tc>
+                  <a:txBody>
+                    <a:bodyPr/>
+                    <a:lstStyle/>
+                    <a:p>
+                      <a:endParaRPr lang="en-US" dirty="0"/>
+                    </a:p>
+                  </a:txBody>
+                  <a:tcPr/>
+                </a:tc>
+              </a:tr>
+              <a:tr h="370840">
+                <a:tc>
+                  <a:txBody>
+                    <a:bodyPr/>
+                    <a:lstStyle/>
+                    <a:p>
+                      <a:r>
+                        <a:rPr lang="en-US" dirty="0" smtClean="0"/>
+                        <a:t>Validation Loss</a:t>
+                      </a:r>
+                      <a:endParaRPr lang="en-US" dirty="0"/>
+                    </a:p>
+                  </a:txBody>
+                  <a:tcPr/>
+                </a:tc>
+                <a:tc>
+                  <a:txBody>
+                    <a:bodyPr/>
+                    <a:lstStyle/>
+                    <a:p>
+                      <a:r>
+                        <a:rPr lang="en-US" dirty="0" smtClean="0"/>
+                        <a:t>1.24</a:t>
+                      </a:r>
+                      <a:endParaRPr lang="en-US" dirty="0"/>
+                    </a:p>
+                  </a:txBody>
+                  <a:tcPr/>
+                </a:tc>
+                <a:tc>
+                  <a:txBody>
+                    <a:bodyPr/>
+                    <a:lstStyle/>
+                    <a:p>
+                      <a:endParaRPr lang="en-US" dirty="0"/>
+                    </a:p>
+                  </a:txBody>
+                  <a:tcPr/>
+                </a:tc>
+                <a:tc>
+                  <a:txBody>
+                    <a:bodyPr/>
+                    <a:lstStyle/>
+                    <a:p>
+                      <a:endParaRPr lang="en-US" dirty="0"/>
+                    </a:p>
+                  </a:txBody>
+                  <a:tcPr/>
+                </a:tc>
+              </a:tr>
+              <a:tr h="370840">
+                <a:tc>
+                  <a:txBody>
+                    <a:bodyPr/>
+                    <a:lstStyle/>
+                    <a:p>
+                      <a:r>
+                        <a:rPr lang="en-US" dirty="0" smtClean="0">
+                          <a:solidFill>
+                            <a:schemeClr val="accent2">
+                              <a:lumMod val="75000"/>
+                            </a:schemeClr>
+                          </a:solidFill>
+                        </a:rPr>
+                        <a:t>Validation</a:t>
+                      </a:r>
+                      <a:r>
+                        <a:rPr lang="en-US" baseline="0" dirty="0" smtClean="0">
+                          <a:solidFill>
+                            <a:schemeClr val="accent2">
+                              <a:lumMod val="75000"/>
+                            </a:schemeClr>
+                          </a:solidFill>
+                        </a:rPr>
+                        <a:t> Error – Top 1</a:t>
+                      </a:r>
+                      <a:endParaRPr lang="en-US" dirty="0">
+                        <a:solidFill>
+                          <a:schemeClr val="accent2">
+                            <a:lumMod val="75000"/>
+                          </a:schemeClr>
+                        </a:solidFill>
+                      </a:endParaRPr>
+                    </a:p>
+                  </a:txBody>
+                  <a:tcPr/>
+                </a:tc>
+                <a:tc>
+                  <a:txBody>
+                    <a:bodyPr/>
+                    <a:lstStyle/>
+                    <a:p>
+                      <a:r>
+                        <a:rPr lang="en-US" dirty="0" smtClean="0">
+                          <a:solidFill>
+                            <a:schemeClr val="accent2">
+                              <a:lumMod val="75000"/>
+                            </a:schemeClr>
+                          </a:solidFill>
+                        </a:rPr>
+                        <a:t>0.31</a:t>
+                      </a:r>
+                      <a:endParaRPr lang="en-US" dirty="0">
+                        <a:solidFill>
+                          <a:schemeClr val="accent2">
+                            <a:lumMod val="75000"/>
+                          </a:schemeClr>
+                        </a:solidFill>
+                      </a:endParaRPr>
+                    </a:p>
+                  </a:txBody>
+                  <a:tcPr/>
+                </a:tc>
+                <a:tc>
+                  <a:txBody>
+                    <a:bodyPr/>
+                    <a:lstStyle/>
+                    <a:p>
+                      <a:r>
+                        <a:rPr lang="en-US" dirty="0" smtClean="0">
+                          <a:solidFill>
+                            <a:schemeClr val="accent2">
+                              <a:lumMod val="75000"/>
+                            </a:schemeClr>
+                          </a:solidFill>
+                        </a:rPr>
+                        <a:t>0.2663</a:t>
+                      </a:r>
+                      <a:endParaRPr lang="en-US" dirty="0">
+                        <a:solidFill>
+                          <a:schemeClr val="accent2">
+                            <a:lumMod val="75000"/>
+                          </a:schemeClr>
+                        </a:solidFill>
+                      </a:endParaRPr>
+                    </a:p>
+                  </a:txBody>
+                  <a:tcPr/>
+                </a:tc>
+                <a:tc>
+                  <a:txBody>
+                    <a:bodyPr/>
+                    <a:lstStyle/>
+                    <a:p>
+                      <a:r>
+                        <a:rPr lang="en-US" dirty="0" smtClean="0">
+                          <a:solidFill>
+                            <a:schemeClr val="accent2">
+                              <a:lumMod val="75000"/>
+                            </a:schemeClr>
+                          </a:solidFill>
+                        </a:rPr>
+                        <a:t>0.244</a:t>
+                      </a:r>
+                      <a:endParaRPr lang="en-US" dirty="0">
+                        <a:solidFill>
+                          <a:schemeClr val="accent2">
+                            <a:lumMod val="75000"/>
+                          </a:schemeClr>
+                        </a:solidFill>
+                      </a:endParaRPr>
+                    </a:p>
+                  </a:txBody>
+                  <a:tcPr/>
+                </a:tc>
+              </a:tr>
+              <a:tr h="370840">
+                <a:tc>
+                  <a:txBody>
+                    <a:bodyPr/>
+                    <a:lstStyle/>
+                    <a:p>
+                      <a:r>
+                        <a:rPr lang="en-US" dirty="0" smtClean="0">
+                          <a:solidFill>
+                            <a:schemeClr val="accent2">
+                              <a:lumMod val="75000"/>
+                            </a:schemeClr>
+                          </a:solidFill>
+                        </a:rPr>
+                        <a:t>Validation Error – Top 5</a:t>
+                      </a:r>
+                      <a:endParaRPr lang="en-US" dirty="0">
+                        <a:solidFill>
+                          <a:schemeClr val="accent2">
+                            <a:lumMod val="75000"/>
+                          </a:schemeClr>
+                        </a:solidFill>
+                      </a:endParaRPr>
+                    </a:p>
+                  </a:txBody>
+                  <a:tcPr/>
+                </a:tc>
+                <a:tc>
+                  <a:txBody>
+                    <a:bodyPr/>
+                    <a:lstStyle/>
+                    <a:p>
+                      <a:r>
+                        <a:rPr lang="en-US" dirty="0" smtClean="0">
+                          <a:solidFill>
+                            <a:schemeClr val="accent2">
+                              <a:lumMod val="75000"/>
+                            </a:schemeClr>
+                          </a:solidFill>
+                        </a:rPr>
+                        <a:t>0.11</a:t>
+                      </a:r>
+                      <a:endParaRPr lang="en-US" dirty="0">
+                        <a:solidFill>
+                          <a:schemeClr val="accent2">
+                            <a:lumMod val="75000"/>
+                          </a:schemeClr>
+                        </a:solidFill>
+                      </a:endParaRPr>
+                    </a:p>
+                  </a:txBody>
+                  <a:tcPr/>
+                </a:tc>
+                <a:tc>
+                  <a:txBody>
+                    <a:bodyPr/>
+                    <a:lstStyle/>
+                    <a:p>
+                      <a:r>
+                        <a:rPr lang="en-US" dirty="0" smtClean="0">
+                          <a:solidFill>
+                            <a:schemeClr val="accent2">
+                              <a:lumMod val="75000"/>
+                            </a:schemeClr>
+                          </a:solidFill>
+                        </a:rPr>
+                        <a:t>0.0850</a:t>
+                      </a:r>
+                      <a:endParaRPr lang="en-US" dirty="0">
+                        <a:solidFill>
+                          <a:schemeClr val="accent2">
+                            <a:lumMod val="75000"/>
+                          </a:schemeClr>
+                        </a:solidFill>
+                      </a:endParaRPr>
+                    </a:p>
+                  </a:txBody>
+                  <a:tcPr/>
+                </a:tc>
+                <a:tc>
+                  <a:txBody>
+                    <a:bodyPr/>
+                    <a:lstStyle/>
+                    <a:p>
+                      <a:r>
+                        <a:rPr lang="en-US" dirty="0" smtClean="0">
+                          <a:solidFill>
+                            <a:schemeClr val="accent2">
+                              <a:lumMod val="75000"/>
+                            </a:schemeClr>
+                          </a:solidFill>
+                        </a:rPr>
+                        <a:t>0.072</a:t>
+                      </a:r>
+                      <a:endParaRPr lang="en-US" dirty="0">
+                        <a:solidFill>
+                          <a:schemeClr val="accent2">
+                            <a:lumMod val="75000"/>
+                          </a:schemeClr>
+                        </a:solidFill>
+                      </a:endParaRPr>
+                    </a:p>
+                  </a:txBody>
+                  <a:tcPr/>
+                </a:tc>
+              </a:tr>
+            </a:tbl>
+          </a:graphicData>
+        </a:graphic>
+      </p:graphicFrame>
+    </p:spTree>
+    <p:extLst>
+      <p:ext uri="{BB962C8B-B14F-4D97-AF65-F5344CB8AC3E}">
+        <p14:creationId xmlns:p14="http://schemas.microsoft.com/office/powerpoint/2010/main" val="919864278"/>
+      </p:ext>
+    </p:extLst>
+  </p:cSld>
+  <p:clrMapOvr>
+    <a:masterClrMapping/>
+  </p:clrMapOvr>
+  <p:timing>
+    <p:tnLst>
+      <p:par>
+        <p:cTn id="1" dur="indefinite" restart="never" nodeType="tmRoot"/>
+      </p:par>
+    </p:tnLst>
+  </p:timing>
+</p:sld>
+</file>
+
+<file path=ppt/slides/slide21.xml><?xml version="1.0" encoding="utf-8"?>
 <p:sld xmlns:a="http://schemas.openxmlformats.org/drawingml/2006/main" xmlns:r="http://schemas.openxmlformats.org/officeDocument/2006/relationships" xmlns:p="http://schemas.openxmlformats.org/presentationml/2006/main">
   <p:cSld>
     <p:spTree>
